--- a/06-ohai.pptx
+++ b/06-ohai.pptx
@@ -304,7 +304,7 @@
               <a:pPr>
                 <a:defRPr/>
               </a:pPr>
-              <a:t>2016-10-20</a:t>
+              <a:t>2016-10-23</a:t>
             </a:fld>
             <a:endParaRPr lang="en-US" dirty="0"/>
           </a:p>
@@ -487,7 +487,7 @@
               <a:pPr>
                 <a:defRPr/>
               </a:pPr>
-              <a:t>2016-10-20</a:t>
+              <a:t>2016-10-23</a:t>
             </a:fld>
             <a:endParaRPr lang="en-US" dirty="0"/>
           </a:p>
@@ -5304,14 +5304,14 @@
           </a:ln>
           <a:extLst>
             <a:ext uri="{909E8E84-426E-40dd-AFC4-6F175D3DCCD1}">
-              <a14:hiddenFill xmlns:a14="http://schemas.microsoft.com/office/drawing/2010/main" xmlns="">
+              <a14:hiddenFill xmlns="" xmlns:a14="http://schemas.microsoft.com/office/drawing/2010/main">
                 <a:solidFill>
                   <a:srgbClr val="FFFFFF"/>
                 </a:solidFill>
               </a14:hiddenFill>
             </a:ext>
             <a:ext uri="{91240B29-F687-4f45-9708-019B960494DF}">
-              <a14:hiddenLine xmlns:a14="http://schemas.microsoft.com/office/drawing/2010/main" xmlns="" w="9525">
+              <a14:hiddenLine xmlns="" xmlns:a14="http://schemas.microsoft.com/office/drawing/2010/main" w="9525">
                 <a:solidFill>
                   <a:srgbClr val="000000"/>
                 </a:solidFill>
@@ -5459,14 +5459,14 @@
           </a:ln>
           <a:extLst>
             <a:ext uri="{909E8E84-426E-40dd-AFC4-6F175D3DCCD1}">
-              <a14:hiddenFill xmlns:a14="http://schemas.microsoft.com/office/drawing/2010/main" xmlns="">
+              <a14:hiddenFill xmlns="" xmlns:a14="http://schemas.microsoft.com/office/drawing/2010/main">
                 <a:solidFill>
                   <a:srgbClr val="FFFFFF"/>
                 </a:solidFill>
               </a14:hiddenFill>
             </a:ext>
             <a:ext uri="{91240B29-F687-4f45-9708-019B960494DF}">
-              <a14:hiddenLine xmlns:a14="http://schemas.microsoft.com/office/drawing/2010/main" xmlns="" w="9525">
+              <a14:hiddenLine xmlns="" xmlns:a14="http://schemas.microsoft.com/office/drawing/2010/main" w="9525">
                 <a:solidFill>
                   <a:srgbClr val="000000"/>
                 </a:solidFill>
@@ -5957,14 +5957,14 @@
           </a:ln>
           <a:extLst>
             <a:ext uri="{909E8E84-426E-40dd-AFC4-6F175D3DCCD1}">
-              <a14:hiddenFill xmlns:a14="http://schemas.microsoft.com/office/drawing/2010/main" xmlns="">
+              <a14:hiddenFill xmlns="" xmlns:a14="http://schemas.microsoft.com/office/drawing/2010/main">
                 <a:solidFill>
                   <a:srgbClr val="FFFFFF"/>
                 </a:solidFill>
               </a14:hiddenFill>
             </a:ext>
             <a:ext uri="{91240B29-F687-4f45-9708-019B960494DF}">
-              <a14:hiddenLine xmlns:a14="http://schemas.microsoft.com/office/drawing/2010/main" xmlns="" w="9525">
+              <a14:hiddenLine xmlns="" xmlns:a14="http://schemas.microsoft.com/office/drawing/2010/main" w="9525">
                 <a:solidFill>
                   <a:srgbClr val="000000"/>
                 </a:solidFill>
@@ -7413,14 +7413,14 @@
           </a:ln>
           <a:extLst>
             <a:ext uri="{909E8E84-426E-40dd-AFC4-6F175D3DCCD1}">
-              <a14:hiddenFill xmlns:a14="http://schemas.microsoft.com/office/drawing/2010/main" xmlns="">
+              <a14:hiddenFill xmlns="" xmlns:a14="http://schemas.microsoft.com/office/drawing/2010/main">
                 <a:solidFill>
                   <a:srgbClr val="FFFFFF"/>
                 </a:solidFill>
               </a14:hiddenFill>
             </a:ext>
             <a:ext uri="{91240B29-F687-4f45-9708-019B960494DF}">
-              <a14:hiddenLine xmlns:a14="http://schemas.microsoft.com/office/drawing/2010/main" xmlns="" w="9525">
+              <a14:hiddenLine xmlns="" xmlns:a14="http://schemas.microsoft.com/office/drawing/2010/main" w="9525">
                 <a:solidFill>
                   <a:srgbClr val="000000"/>
                 </a:solidFill>
@@ -8774,14 +8774,14 @@
           </a:ln>
           <a:extLst>
             <a:ext uri="{909E8E84-426E-40dd-AFC4-6F175D3DCCD1}">
-              <a14:hiddenFill xmlns:a14="http://schemas.microsoft.com/office/drawing/2010/main" xmlns="">
+              <a14:hiddenFill xmlns="" xmlns:a14="http://schemas.microsoft.com/office/drawing/2010/main">
                 <a:solidFill>
                   <a:srgbClr val="FFFFFF"/>
                 </a:solidFill>
               </a14:hiddenFill>
             </a:ext>
             <a:ext uri="{91240B29-F687-4f45-9708-019B960494DF}">
-              <a14:hiddenLine xmlns:a14="http://schemas.microsoft.com/office/drawing/2010/main" xmlns="" w="9525">
+              <a14:hiddenLine xmlns="" xmlns:a14="http://schemas.microsoft.com/office/drawing/2010/main" w="9525">
                 <a:solidFill>
                   <a:srgbClr val="000000"/>
                 </a:solidFill>
@@ -9339,14 +9339,14 @@
           </a:ln>
           <a:extLst>
             <a:ext uri="{909E8E84-426E-40dd-AFC4-6F175D3DCCD1}">
-              <a14:hiddenFill xmlns:a14="http://schemas.microsoft.com/office/drawing/2010/main" xmlns="">
+              <a14:hiddenFill xmlns="" xmlns:a14="http://schemas.microsoft.com/office/drawing/2010/main">
                 <a:solidFill>
                   <a:srgbClr val="FFFFFF"/>
                 </a:solidFill>
               </a14:hiddenFill>
             </a:ext>
             <a:ext uri="{91240B29-F687-4f45-9708-019B960494DF}">
-              <a14:hiddenLine xmlns:a14="http://schemas.microsoft.com/office/drawing/2010/main" xmlns="" w="9525">
+              <a14:hiddenLine xmlns="" xmlns:a14="http://schemas.microsoft.com/office/drawing/2010/main" w="9525">
                 <a:solidFill>
                   <a:srgbClr val="000000"/>
                 </a:solidFill>
@@ -9913,14 +9913,14 @@
           </a:ln>
           <a:extLst>
             <a:ext uri="{909E8E84-426E-40dd-AFC4-6F175D3DCCD1}">
-              <a14:hiddenFill xmlns:a14="http://schemas.microsoft.com/office/drawing/2010/main" xmlns="">
+              <a14:hiddenFill xmlns="" xmlns:a14="http://schemas.microsoft.com/office/drawing/2010/main">
                 <a:solidFill>
                   <a:srgbClr val="FFFFFF"/>
                 </a:solidFill>
               </a14:hiddenFill>
             </a:ext>
             <a:ext uri="{91240B29-F687-4f45-9708-019B960494DF}">
-              <a14:hiddenLine xmlns:a14="http://schemas.microsoft.com/office/drawing/2010/main" xmlns="" w="9525">
+              <a14:hiddenLine xmlns="" xmlns:a14="http://schemas.microsoft.com/office/drawing/2010/main" w="9525">
                 <a:solidFill>
                   <a:srgbClr val="000000"/>
                 </a:solidFill>
@@ -10860,14 +10860,14 @@
           </a:ln>
           <a:extLst>
             <a:ext uri="{909E8E84-426E-40dd-AFC4-6F175D3DCCD1}">
-              <a14:hiddenFill xmlns:a14="http://schemas.microsoft.com/office/drawing/2010/main" xmlns="">
+              <a14:hiddenFill xmlns="" xmlns:a14="http://schemas.microsoft.com/office/drawing/2010/main">
                 <a:solidFill>
                   <a:srgbClr val="FFFFFF"/>
                 </a:solidFill>
               </a14:hiddenFill>
             </a:ext>
             <a:ext uri="{91240B29-F687-4f45-9708-019B960494DF}">
-              <a14:hiddenLine xmlns:a14="http://schemas.microsoft.com/office/drawing/2010/main" xmlns="" w="9525">
+              <a14:hiddenLine xmlns="" xmlns:a14="http://schemas.microsoft.com/office/drawing/2010/main" w="9525">
                 <a:solidFill>
                   <a:srgbClr val="000000"/>
                 </a:solidFill>
@@ -11045,7 +11045,7 @@
                 <a:ea typeface="+mn-ea"/>
                 <a:cs typeface="+mn-cs"/>
               </a:rPr>
-              <a:t>2</a:t>
+              <a:t>6</a:t>
             </a:r>
             <a:r>
               <a:rPr lang="en-US" dirty="0" smtClean="0">
@@ -11640,14 +11640,14 @@
           </a:ln>
           <a:extLst>
             <a:ext uri="{909E8E84-426E-40dd-AFC4-6F175D3DCCD1}">
-              <a14:hiddenFill xmlns:a14="http://schemas.microsoft.com/office/drawing/2010/main" xmlns="">
+              <a14:hiddenFill xmlns="" xmlns:a14="http://schemas.microsoft.com/office/drawing/2010/main">
                 <a:solidFill>
                   <a:srgbClr val="FFFFFF"/>
                 </a:solidFill>
               </a14:hiddenFill>
             </a:ext>
             <a:ext uri="{91240B29-F687-4f45-9708-019B960494DF}">
-              <a14:hiddenLine xmlns:a14="http://schemas.microsoft.com/office/drawing/2010/main" xmlns="" w="9525">
+              <a14:hiddenLine xmlns="" xmlns:a14="http://schemas.microsoft.com/office/drawing/2010/main" w="9525">
                 <a:solidFill>
                   <a:srgbClr val="000000"/>
                 </a:solidFill>
@@ -11825,7 +11825,7 @@
                 <a:ea typeface="+mn-ea"/>
                 <a:cs typeface="+mn-cs"/>
               </a:rPr>
-              <a:t>2</a:t>
+              <a:t>6</a:t>
             </a:r>
             <a:r>
               <a:rPr lang="en-US" dirty="0" smtClean="0">
@@ -13545,7 +13545,6 @@
               <a:rPr lang="en-US" dirty="0" smtClean="0"/>
               <a:t>).</a:t>
             </a:r>
-            <a:endParaRPr lang="en-US" dirty="0" smtClean="0"/>
           </a:p>
         </p:txBody>
       </p:sp>
@@ -19293,6 +19292,52 @@
 
 <file path=customXml/item1.xml><?xml version="1.0" encoding="utf-8"?>
 <?mso-contentType ?>
+<spe:Receivers xmlns:spe="http://schemas.microsoft.com/sharepoint/events">
+  <Receiver>
+    <Name>Document ID Generator</Name>
+    <Synchronization>Synchronous</Synchronization>
+    <Type>10001</Type>
+    <SequenceNumber>1000</SequenceNumber>
+    <Assembly>Microsoft.Office.DocumentManagement, Version=14.0.0.0, Culture=neutral, PublicKeyToken=71e9bce111e9429c</Assembly>
+    <Class>Microsoft.Office.DocumentManagement.Internal.DocIdHandler</Class>
+    <Data/>
+    <Filter/>
+  </Receiver>
+  <Receiver>
+    <Name>Document ID Generator</Name>
+    <Synchronization>Synchronous</Synchronization>
+    <Type>10002</Type>
+    <SequenceNumber>1001</SequenceNumber>
+    <Assembly>Microsoft.Office.DocumentManagement, Version=14.0.0.0, Culture=neutral, PublicKeyToken=71e9bce111e9429c</Assembly>
+    <Class>Microsoft.Office.DocumentManagement.Internal.DocIdHandler</Class>
+    <Data/>
+    <Filter/>
+  </Receiver>
+  <Receiver>
+    <Name>Document ID Generator</Name>
+    <Synchronization>Synchronous</Synchronization>
+    <Type>10004</Type>
+    <SequenceNumber>1002</SequenceNumber>
+    <Assembly>Microsoft.Office.DocumentManagement, Version=14.0.0.0, Culture=neutral, PublicKeyToken=71e9bce111e9429c</Assembly>
+    <Class>Microsoft.Office.DocumentManagement.Internal.DocIdHandler</Class>
+    <Data/>
+    <Filter/>
+  </Receiver>
+  <Receiver>
+    <Name>Document ID Generator</Name>
+    <Synchronization>Synchronous</Synchronization>
+    <Type>10006</Type>
+    <SequenceNumber>1003</SequenceNumber>
+    <Assembly>Microsoft.Office.DocumentManagement, Version=14.0.0.0, Culture=neutral, PublicKeyToken=71e9bce111e9429c</Assembly>
+    <Class>Microsoft.Office.DocumentManagement.Internal.DocIdHandler</Class>
+    <Data/>
+    <Filter/>
+  </Receiver>
+</spe:Receivers>
+</file>
+
+<file path=customXml/item2.xml><?xml version="1.0" encoding="utf-8"?>
+<?mso-contentType ?>
 <FormTemplates xmlns="http://schemas.microsoft.com/sharepoint/v3/contenttype/forms">
   <Display>DocumentLibraryForm</Display>
   <Edit>DocumentLibraryForm</Edit>
@@ -19300,7 +19345,7 @@
 </FormTemplates>
 </file>
 
-<file path=customXml/item2.xml><?xml version="1.0" encoding="utf-8"?>
+<file path=customXml/item3.xml><?xml version="1.0" encoding="utf-8"?>
 <p:properties xmlns:p="http://schemas.microsoft.com/office/2006/metadata/properties" xmlns:xsi="http://www.w3.org/2001/XMLSchema-instance" xmlns:pc="http://schemas.microsoft.com/office/infopath/2007/PartnerControls">
   <documentManagement>
     <_dlc_DocId xmlns="7bb5d761-a2ea-4873-95f7-7a6658fb3ef0">M4CWTKMW727E-592-73</_dlc_DocId>
@@ -19312,7 +19357,7 @@
 </p:properties>
 </file>
 
-<file path=customXml/item3.xml><?xml version="1.0" encoding="utf-8"?>
+<file path=customXml/item4.xml><?xml version="1.0" encoding="utf-8"?>
 <ct:contentTypeSchema xmlns:ct="http://schemas.microsoft.com/office/2006/metadata/contentType" xmlns:ma="http://schemas.microsoft.com/office/2006/metadata/properties/metaAttributes" ct:_="" ma:_="" ma:contentTypeName="Document" ma:contentTypeID="0x0101000812F700BE7F874999720E88173FE491" ma:contentTypeVersion="0" ma:contentTypeDescription="Create a new document." ma:contentTypeScope="" ma:versionID="3f79f408e2ca720b7aba6e0e32464d0c">
   <xsd:schema xmlns:xsd="http://www.w3.org/2001/XMLSchema" xmlns:xs="http://www.w3.org/2001/XMLSchema" xmlns:p="http://schemas.microsoft.com/office/2006/metadata/properties" xmlns:ns2="7bb5d761-a2ea-4873-95f7-7a6658fb3ef0" targetNamespace="http://schemas.microsoft.com/office/2006/metadata/properties" ma:root="true" ma:fieldsID="1e062cd38ba31e406bfc4340fbc7f87a" ns2:_="">
     <xsd:import namespace="7bb5d761-a2ea-4873-95f7-7a6658fb3ef0"/>
@@ -19457,53 +19502,15 @@
 </ct:contentTypeSchema>
 </file>
 
-<file path=customXml/item4.xml><?xml version="1.0" encoding="utf-8"?>
-<?mso-contentType ?>
-<spe:Receivers xmlns:spe="http://schemas.microsoft.com/sharepoint/events">
-  <Receiver>
-    <Name>Document ID Generator</Name>
-    <Synchronization>Synchronous</Synchronization>
-    <Type>10001</Type>
-    <SequenceNumber>1000</SequenceNumber>
-    <Assembly>Microsoft.Office.DocumentManagement, Version=14.0.0.0, Culture=neutral, PublicKeyToken=71e9bce111e9429c</Assembly>
-    <Class>Microsoft.Office.DocumentManagement.Internal.DocIdHandler</Class>
-    <Data/>
-    <Filter/>
-  </Receiver>
-  <Receiver>
-    <Name>Document ID Generator</Name>
-    <Synchronization>Synchronous</Synchronization>
-    <Type>10002</Type>
-    <SequenceNumber>1001</SequenceNumber>
-    <Assembly>Microsoft.Office.DocumentManagement, Version=14.0.0.0, Culture=neutral, PublicKeyToken=71e9bce111e9429c</Assembly>
-    <Class>Microsoft.Office.DocumentManagement.Internal.DocIdHandler</Class>
-    <Data/>
-    <Filter/>
-  </Receiver>
-  <Receiver>
-    <Name>Document ID Generator</Name>
-    <Synchronization>Synchronous</Synchronization>
-    <Type>10004</Type>
-    <SequenceNumber>1002</SequenceNumber>
-    <Assembly>Microsoft.Office.DocumentManagement, Version=14.0.0.0, Culture=neutral, PublicKeyToken=71e9bce111e9429c</Assembly>
-    <Class>Microsoft.Office.DocumentManagement.Internal.DocIdHandler</Class>
-    <Data/>
-    <Filter/>
-  </Receiver>
-  <Receiver>
-    <Name>Document ID Generator</Name>
-    <Synchronization>Synchronous</Synchronization>
-    <Type>10006</Type>
-    <SequenceNumber>1003</SequenceNumber>
-    <Assembly>Microsoft.Office.DocumentManagement, Version=14.0.0.0, Culture=neutral, PublicKeyToken=71e9bce111e9429c</Assembly>
-    <Class>Microsoft.Office.DocumentManagement.Internal.DocIdHandler</Class>
-    <Data/>
-    <Filter/>
-  </Receiver>
-</spe:Receivers>
+<file path=customXml/itemProps1.xml><?xml version="1.0" encoding="utf-8"?>
+<ds:datastoreItem xmlns:ds="http://schemas.openxmlformats.org/officeDocument/2006/customXml" ds:itemID="{B13EBC30-FE27-4C6A-B723-23FC2188F7DC}">
+  <ds:schemaRefs>
+    <ds:schemaRef ds:uri="http://schemas.microsoft.com/sharepoint/events"/>
+  </ds:schemaRefs>
+</ds:datastoreItem>
 </file>
 
-<file path=customXml/itemProps1.xml><?xml version="1.0" encoding="utf-8"?>
+<file path=customXml/itemProps2.xml><?xml version="1.0" encoding="utf-8"?>
 <ds:datastoreItem xmlns:ds="http://schemas.openxmlformats.org/officeDocument/2006/customXml" ds:itemID="{5CDEB364-43EC-4510-9881-539C2A3FCE9E}">
   <ds:schemaRefs>
     <ds:schemaRef ds:uri="http://schemas.microsoft.com/sharepoint/v3/contenttype/forms"/>
@@ -19511,7 +19518,7 @@
 </ds:datastoreItem>
 </file>
 
-<file path=customXml/itemProps2.xml><?xml version="1.0" encoding="utf-8"?>
+<file path=customXml/itemProps3.xml><?xml version="1.0" encoding="utf-8"?>
 <ds:datastoreItem xmlns:ds="http://schemas.openxmlformats.org/officeDocument/2006/customXml" ds:itemID="{6921749B-AEB7-461B-845F-603CABD25259}">
   <ds:schemaRefs>
     <ds:schemaRef ds:uri="7bb5d761-a2ea-4873-95f7-7a6658fb3ef0"/>
@@ -19527,7 +19534,7 @@
 </ds:datastoreItem>
 </file>
 
-<file path=customXml/itemProps3.xml><?xml version="1.0" encoding="utf-8"?>
+<file path=customXml/itemProps4.xml><?xml version="1.0" encoding="utf-8"?>
 <ds:datastoreItem xmlns:ds="http://schemas.openxmlformats.org/officeDocument/2006/customXml" ds:itemID="{164479E5-0B02-49AC-B79E-EC1D6164DDD3}">
   <ds:schemaRefs>
     <ds:schemaRef ds:uri="http://schemas.microsoft.com/office/2006/metadata/contentType"/>
@@ -19543,12 +19550,4 @@
     <ds:schemaRef ds:uri="http://schemas.microsoft.com/internal/obd"/>
   </ds:schemaRefs>
 </ds:datastoreItem>
-</file>
-
-<file path=customXml/itemProps4.xml><?xml version="1.0" encoding="utf-8"?>
-<ds:datastoreItem xmlns:ds="http://schemas.openxmlformats.org/officeDocument/2006/customXml" ds:itemID="{B13EBC30-FE27-4C6A-B723-23FC2188F7DC}">
-  <ds:schemaRefs>
-    <ds:schemaRef ds:uri="http://schemas.microsoft.com/sharepoint/events"/>
-  </ds:schemaRefs>
-</ds:datastoreItem>
 </file>
--- a/06-ohai.pptx
+++ b/06-ohai.pptx
@@ -255,6 +255,10 @@
             <a:pPr>
               <a:defRPr/>
             </a:pPr>
+            <a:r>
+              <a:rPr lang="en-US" smtClean="0"/>
+              <a:t>Extending Cookbooks</a:t>
+            </a:r>
             <a:endParaRPr lang="en-US"/>
           </a:p>
         </p:txBody>
@@ -299,13 +303,10 @@
             <a:pPr>
               <a:defRPr/>
             </a:pPr>
-            <a:fld id="{04CB1577-BF96-2D40-B4CA-2BF6DA80CBA7}" type="datetime1">
-              <a:rPr lang="en-CA"/>
-              <a:pPr>
-                <a:defRPr/>
-              </a:pPr>
-              <a:t>2016-10-23</a:t>
-            </a:fld>
+            <a:r>
+              <a:rPr lang="en-US" smtClean="0"/>
+              <a:t>Chef Software, Inc.</a:t>
+            </a:r>
             <a:endParaRPr lang="en-US" dirty="0"/>
           </a:p>
         </p:txBody>
@@ -416,7 +417,7 @@
     </p:extLst>
   </p:cSld>
   <p:clrMap bg1="lt1" tx1="dk1" bg2="lt2" tx2="dk2" accent1="accent1" accent2="accent2" accent3="accent3" accent4="accent4" accent5="accent5" accent6="accent6" hlink="hlink" folHlink="folHlink"/>
-  <p:hf dt="0"/>
+  <p:hf sldNum="0" ftr="0"/>
 </p:handoutMaster>
 </file>
 
@@ -454,7 +455,7 @@
         </p:nvSpPr>
         <p:spPr>
           <a:xfrm>
-            <a:off x="3884613" y="0"/>
+            <a:off x="3884613" y="96250"/>
             <a:ext cx="2971800" cy="457200"/>
           </a:xfrm>
           <a:prstGeom prst="rect">
@@ -482,13 +483,10 @@
             <a:pPr>
               <a:defRPr/>
             </a:pPr>
-            <a:fld id="{72FDBE47-C34F-CF4A-9709-1411AD5B3286}" type="datetime1">
-              <a:rPr lang="en-CA"/>
-              <a:pPr>
-                <a:defRPr/>
-              </a:pPr>
-              <a:t>2016-10-23</a:t>
-            </a:fld>
+            <a:r>
+              <a:rPr lang="en-US" smtClean="0"/>
+              <a:t>Chef Software, Inc.</a:t>
+            </a:r>
             <a:endParaRPr lang="en-US" dirty="0"/>
           </a:p>
         </p:txBody>
@@ -539,8 +537,8 @@
         </p:nvSpPr>
         <p:spPr>
           <a:xfrm>
-            <a:off x="685800" y="4343400"/>
-            <a:ext cx="5486400" cy="4114800"/>
+            <a:off x="381000" y="4343400"/>
+            <a:ext cx="6096000" cy="4492592"/>
           </a:xfrm>
           <a:prstGeom prst="rect">
             <a:avLst/>
@@ -591,68 +589,17 @@
       </p:sp>
       <p:sp>
         <p:nvSpPr>
-          <p:cNvPr id="7" name="Slide Number Placeholder 6"/>
-          <p:cNvSpPr>
-            <a:spLocks noGrp="1"/>
-          </p:cNvSpPr>
-          <p:nvPr>
-            <p:ph type="sldNum" sz="quarter" idx="5"/>
+          <p:cNvPr id="8" name="Header Placeholder 1"/>
+          <p:cNvSpPr>
+            <a:spLocks noGrp="1"/>
+          </p:cNvSpPr>
+          <p:nvPr>
+            <p:ph type="hdr" sz="quarter"/>
           </p:nvPr>
         </p:nvSpPr>
         <p:spPr>
           <a:xfrm>
-            <a:off x="6172200" y="8685213"/>
-            <a:ext cx="684213" cy="457200"/>
-          </a:xfrm>
-          <a:prstGeom prst="rect">
-            <a:avLst/>
-          </a:prstGeom>
-        </p:spPr>
-        <p:txBody>
-          <a:bodyPr vert="horz" lIns="91440" tIns="45720" rIns="91440" bIns="45720" rtlCol="0" anchor="b"/>
-          <a:lstStyle>
-            <a:lvl1pPr algn="r" defTabSz="1219120" fontAlgn="auto">
-              <a:spcBef>
-                <a:spcPts val="0"/>
-              </a:spcBef>
-              <a:spcAft>
-                <a:spcPts val="0"/>
-              </a:spcAft>
-              <a:defRPr sz="1200" smtClean="0">
-                <a:latin typeface="Arial" panose="020B0604020202020204" pitchFamily="34" charset="0"/>
-                <a:ea typeface="+mn-ea"/>
-                <a:cs typeface="Arial" panose="020B0604020202020204" pitchFamily="34" charset="0"/>
-              </a:defRPr>
-            </a:lvl1pPr>
-          </a:lstStyle>
-          <a:p>
-            <a:pPr>
-              <a:defRPr/>
-            </a:pPr>
-            <a:fld id="{DC3734AA-3150-D947-AC52-2F5DF48BFCD5}" type="slidenum">
-              <a:rPr lang="en-US"/>
-              <a:pPr>
-                <a:defRPr/>
-              </a:pPr>
-              <a:t>‹#›</a:t>
-            </a:fld>
-            <a:endParaRPr lang="en-US" dirty="0"/>
-          </a:p>
-        </p:txBody>
-      </p:sp>
-      <p:sp>
-        <p:nvSpPr>
-          <p:cNvPr id="8" name="Header Placeholder 1"/>
-          <p:cNvSpPr>
-            <a:spLocks noGrp="1"/>
-          </p:cNvSpPr>
-          <p:nvPr>
-            <p:ph type="hdr" sz="quarter"/>
-          </p:nvPr>
-        </p:nvSpPr>
-        <p:spPr>
-          <a:xfrm>
-            <a:off x="0" y="0"/>
+            <a:off x="0" y="96250"/>
             <a:ext cx="2971800" cy="457200"/>
           </a:xfrm>
           <a:prstGeom prst="rect">
@@ -680,53 +627,10 @@
             <a:pPr>
               <a:defRPr/>
             </a:pPr>
-            <a:endParaRPr lang="en-US"/>
-          </a:p>
-        </p:txBody>
-      </p:sp>
-      <p:sp>
-        <p:nvSpPr>
-          <p:cNvPr id="9" name="Footer Placeholder 3"/>
-          <p:cNvSpPr>
-            <a:spLocks noGrp="1"/>
-          </p:cNvSpPr>
-          <p:nvPr>
-            <p:ph type="ftr" sz="quarter" idx="4"/>
-          </p:nvPr>
-        </p:nvSpPr>
-        <p:spPr>
-          <a:xfrm>
-            <a:off x="0" y="8685213"/>
-            <a:ext cx="6248400" cy="457200"/>
-          </a:xfrm>
-          <a:prstGeom prst="rect">
-            <a:avLst/>
-          </a:prstGeom>
-        </p:spPr>
-        <p:txBody>
-          <a:bodyPr vert="horz" lIns="91440" tIns="45720" rIns="91440" bIns="45720" rtlCol="0" anchor="b"/>
-          <a:lstStyle>
-            <a:lvl1pPr algn="l" defTabSz="1219120" fontAlgn="auto">
-              <a:spcBef>
-                <a:spcPts val="0"/>
-              </a:spcBef>
-              <a:spcAft>
-                <a:spcPts val="0"/>
-              </a:spcAft>
-              <a:defRPr sz="900" dirty="0" smtClean="0">
-                <a:solidFill>
-                  <a:srgbClr val="000000"/>
-                </a:solidFill>
-                <a:latin typeface="Arial" panose="020B0604020202020204" pitchFamily="34" charset="0"/>
-                <a:ea typeface="+mn-ea"/>
-                <a:cs typeface="Arial" panose="020B0604020202020204" pitchFamily="34" charset="0"/>
-              </a:defRPr>
-            </a:lvl1pPr>
-          </a:lstStyle>
-          <a:p>
-            <a:pPr>
-              <a:defRPr/>
-            </a:pPr>
+            <a:r>
+              <a:rPr lang="en-US" smtClean="0"/>
+              <a:t>Extending Cookbooks</a:t>
+            </a:r>
             <a:endParaRPr lang="en-US"/>
           </a:p>
         </p:txBody>
@@ -739,7 +643,7 @@
     </p:extLst>
   </p:cSld>
   <p:clrMap bg1="lt1" tx1="dk1" bg2="lt2" tx2="dk2" accent1="accent1" accent2="accent2" accent3="accent3" accent4="accent4" accent5="accent5" accent6="accent6" hlink="hlink" folHlink="folHlink"/>
-  <p:hf dt="0"/>
+  <p:hf sldNum="0" ftr="0"/>
   <p:notesStyle>
     <a:lvl1pPr algn="l" defTabSz="1217613" rtl="0" fontAlgn="base">
       <a:lnSpc>
@@ -942,12 +846,12 @@
       </p:sp>
       <p:sp>
         <p:nvSpPr>
-          <p:cNvPr id="4" name="Slide Number Placeholder 3"/>
-          <p:cNvSpPr>
-            <a:spLocks noGrp="1"/>
-          </p:cNvSpPr>
-          <p:nvPr>
-            <p:ph type="sldNum" sz="quarter" idx="10"/>
+          <p:cNvPr id="5" name="Header Placeholder 4"/>
+          <p:cNvSpPr>
+            <a:spLocks noGrp="1"/>
+          </p:cNvSpPr>
+          <p:nvPr>
+            <p:ph type="hdr" sz="quarter" idx="11"/>
           </p:nvPr>
         </p:nvSpPr>
         <p:spPr/>
@@ -958,25 +862,22 @@
             <a:pPr>
               <a:defRPr/>
             </a:pPr>
-            <a:fld id="{DC3734AA-3150-D947-AC52-2F5DF48BFCD5}" type="slidenum">
+            <a:r>
               <a:rPr lang="en-US" smtClean="0"/>
-              <a:pPr>
-                <a:defRPr/>
-              </a:pPr>
-              <a:t>1</a:t>
-            </a:fld>
-            <a:endParaRPr lang="en-US" dirty="0"/>
-          </a:p>
-        </p:txBody>
-      </p:sp>
-      <p:sp>
-        <p:nvSpPr>
-          <p:cNvPr id="5" name="Header Placeholder 4"/>
-          <p:cNvSpPr>
-            <a:spLocks noGrp="1"/>
-          </p:cNvSpPr>
-          <p:nvPr>
-            <p:ph type="hdr" sz="quarter" idx="11"/>
+              <a:t>Extending Cookbooks</a:t>
+            </a:r>
+            <a:endParaRPr lang="en-US"/>
+          </a:p>
+        </p:txBody>
+      </p:sp>
+      <p:sp>
+        <p:nvSpPr>
+          <p:cNvPr id="7" name="Date Placeholder 6"/>
+          <p:cNvSpPr>
+            <a:spLocks noGrp="1"/>
+          </p:cNvSpPr>
+          <p:nvPr>
+            <p:ph type="dt" idx="13"/>
           </p:nvPr>
         </p:nvSpPr>
         <p:spPr/>
@@ -987,29 +888,11 @@
             <a:pPr>
               <a:defRPr/>
             </a:pPr>
-            <a:endParaRPr lang="en-US"/>
-          </a:p>
-        </p:txBody>
-      </p:sp>
-      <p:sp>
-        <p:nvSpPr>
-          <p:cNvPr id="6" name="Footer Placeholder 5"/>
-          <p:cNvSpPr>
-            <a:spLocks noGrp="1"/>
-          </p:cNvSpPr>
-          <p:nvPr>
-            <p:ph type="ftr" sz="quarter" idx="12"/>
-          </p:nvPr>
-        </p:nvSpPr>
-        <p:spPr/>
-        <p:txBody>
-          <a:bodyPr/>
-          <a:lstStyle/>
-          <a:p>
-            <a:pPr>
-              <a:defRPr/>
-            </a:pPr>
-            <a:endParaRPr lang="en-US"/>
+            <a:r>
+              <a:rPr lang="en-US" smtClean="0"/>
+              <a:t>Chef Software, Inc.</a:t>
+            </a:r>
+            <a:endParaRPr lang="en-US" dirty="0"/>
           </a:p>
         </p:txBody>
       </p:sp>
@@ -1080,12 +963,12 @@
       </p:sp>
       <p:sp>
         <p:nvSpPr>
-          <p:cNvPr id="4" name="Slide Number Placeholder 3"/>
-          <p:cNvSpPr>
-            <a:spLocks noGrp="1"/>
-          </p:cNvSpPr>
-          <p:nvPr>
-            <p:ph type="sldNum" sz="quarter" idx="10"/>
+          <p:cNvPr id="5" name="Header Placeholder 4"/>
+          <p:cNvSpPr>
+            <a:spLocks noGrp="1"/>
+          </p:cNvSpPr>
+          <p:nvPr>
+            <p:ph type="hdr" sz="quarter" idx="11"/>
           </p:nvPr>
         </p:nvSpPr>
         <p:spPr/>
@@ -1093,23 +976,22 @@
           <a:bodyPr/>
           <a:lstStyle/>
           <a:p>
-            <a:fld id="{8B263312-38AA-4E1E-B2B5-0F8F122B24FE}" type="slidenum">
+            <a:r>
               <a:rPr lang="en-US" smtClean="0"/>
-              <a:pPr/>
-              <a:t>10</a:t>
-            </a:fld>
+              <a:t>Extending Cookbooks</a:t>
+            </a:r>
             <a:endParaRPr lang="en-US" dirty="0"/>
           </a:p>
         </p:txBody>
       </p:sp>
       <p:sp>
         <p:nvSpPr>
-          <p:cNvPr id="5" name="Header Placeholder 4"/>
-          <p:cNvSpPr>
-            <a:spLocks noGrp="1"/>
-          </p:cNvSpPr>
-          <p:nvPr>
-            <p:ph type="hdr" sz="quarter" idx="11"/>
+          <p:cNvPr id="7" name="Date Placeholder 6"/>
+          <p:cNvSpPr>
+            <a:spLocks noGrp="1"/>
+          </p:cNvSpPr>
+          <p:nvPr>
+            <p:ph type="dt" idx="13"/>
           </p:nvPr>
         </p:nvSpPr>
         <p:spPr/>
@@ -1117,30 +999,14 @@
           <a:bodyPr/>
           <a:lstStyle/>
           <a:p>
+            <a:pPr>
+              <a:defRPr/>
+            </a:pPr>
+            <a:r>
+              <a:rPr lang="en-US" smtClean="0"/>
+              <a:t>Chef Software, Inc.</a:t>
+            </a:r>
             <a:endParaRPr lang="en-US" dirty="0"/>
-          </a:p>
-        </p:txBody>
-      </p:sp>
-      <p:sp>
-        <p:nvSpPr>
-          <p:cNvPr id="6" name="Footer Placeholder 5"/>
-          <p:cNvSpPr>
-            <a:spLocks noGrp="1"/>
-          </p:cNvSpPr>
-          <p:nvPr>
-            <p:ph type="ftr" sz="quarter" idx="12"/>
-          </p:nvPr>
-        </p:nvSpPr>
-        <p:spPr/>
-        <p:txBody>
-          <a:bodyPr/>
-          <a:lstStyle/>
-          <a:p>
-            <a:endParaRPr lang="en-US" sz="900" dirty="0" smtClean="0">
-              <a:solidFill>
-                <a:srgbClr val="000000"/>
-              </a:solidFill>
-            </a:endParaRPr>
           </a:p>
         </p:txBody>
       </p:sp>
@@ -1231,12 +1097,12 @@
       </p:sp>
       <p:sp>
         <p:nvSpPr>
-          <p:cNvPr id="4" name="Slide Number Placeholder 3"/>
-          <p:cNvSpPr>
-            <a:spLocks noGrp="1"/>
-          </p:cNvSpPr>
-          <p:nvPr>
-            <p:ph type="sldNum" sz="quarter" idx="10"/>
+          <p:cNvPr id="5" name="Header Placeholder 4"/>
+          <p:cNvSpPr>
+            <a:spLocks noGrp="1"/>
+          </p:cNvSpPr>
+          <p:nvPr>
+            <p:ph type="hdr" sz="quarter" idx="11"/>
           </p:nvPr>
         </p:nvSpPr>
         <p:spPr/>
@@ -1244,23 +1110,22 @@
           <a:bodyPr/>
           <a:lstStyle/>
           <a:p>
-            <a:fld id="{8B263312-38AA-4E1E-B2B5-0F8F122B24FE}" type="slidenum">
+            <a:r>
               <a:rPr lang="en-US" smtClean="0"/>
-              <a:pPr/>
-              <a:t>11</a:t>
-            </a:fld>
+              <a:t>Extending Cookbooks</a:t>
+            </a:r>
             <a:endParaRPr lang="en-US" dirty="0"/>
           </a:p>
         </p:txBody>
       </p:sp>
       <p:sp>
         <p:nvSpPr>
-          <p:cNvPr id="5" name="Header Placeholder 4"/>
-          <p:cNvSpPr>
-            <a:spLocks noGrp="1"/>
-          </p:cNvSpPr>
-          <p:nvPr>
-            <p:ph type="hdr" sz="quarter" idx="11"/>
+          <p:cNvPr id="7" name="Date Placeholder 6"/>
+          <p:cNvSpPr>
+            <a:spLocks noGrp="1"/>
+          </p:cNvSpPr>
+          <p:nvPr>
+            <p:ph type="dt" idx="13"/>
           </p:nvPr>
         </p:nvSpPr>
         <p:spPr/>
@@ -1268,30 +1133,14 @@
           <a:bodyPr/>
           <a:lstStyle/>
           <a:p>
+            <a:pPr>
+              <a:defRPr/>
+            </a:pPr>
+            <a:r>
+              <a:rPr lang="en-US" smtClean="0"/>
+              <a:t>Chef Software, Inc.</a:t>
+            </a:r>
             <a:endParaRPr lang="en-US" dirty="0"/>
-          </a:p>
-        </p:txBody>
-      </p:sp>
-      <p:sp>
-        <p:nvSpPr>
-          <p:cNvPr id="6" name="Footer Placeholder 5"/>
-          <p:cNvSpPr>
-            <a:spLocks noGrp="1"/>
-          </p:cNvSpPr>
-          <p:nvPr>
-            <p:ph type="ftr" sz="quarter" idx="12"/>
-          </p:nvPr>
-        </p:nvSpPr>
-        <p:spPr/>
-        <p:txBody>
-          <a:bodyPr/>
-          <a:lstStyle/>
-          <a:p>
-            <a:endParaRPr lang="en-US" sz="900" dirty="0" smtClean="0">
-              <a:solidFill>
-                <a:srgbClr val="000000"/>
-              </a:solidFill>
-            </a:endParaRPr>
           </a:p>
         </p:txBody>
       </p:sp>
@@ -1374,12 +1223,12 @@
       </p:sp>
       <p:sp>
         <p:nvSpPr>
-          <p:cNvPr id="4" name="Slide Number Placeholder 3"/>
-          <p:cNvSpPr>
-            <a:spLocks noGrp="1"/>
-          </p:cNvSpPr>
-          <p:nvPr>
-            <p:ph type="sldNum" sz="quarter" idx="10"/>
+          <p:cNvPr id="5" name="Header Placeholder 4"/>
+          <p:cNvSpPr>
+            <a:spLocks noGrp="1"/>
+          </p:cNvSpPr>
+          <p:nvPr>
+            <p:ph type="hdr" sz="quarter" idx="11"/>
           </p:nvPr>
         </p:nvSpPr>
         <p:spPr/>
@@ -1387,23 +1236,22 @@
           <a:bodyPr/>
           <a:lstStyle/>
           <a:p>
-            <a:fld id="{8B263312-38AA-4E1E-B2B5-0F8F122B24FE}" type="slidenum">
+            <a:r>
               <a:rPr lang="en-US" smtClean="0"/>
-              <a:pPr/>
-              <a:t>12</a:t>
-            </a:fld>
+              <a:t>Extending Cookbooks</a:t>
+            </a:r>
             <a:endParaRPr lang="en-US" dirty="0"/>
           </a:p>
         </p:txBody>
       </p:sp>
       <p:sp>
         <p:nvSpPr>
-          <p:cNvPr id="5" name="Header Placeholder 4"/>
-          <p:cNvSpPr>
-            <a:spLocks noGrp="1"/>
-          </p:cNvSpPr>
-          <p:nvPr>
-            <p:ph type="hdr" sz="quarter" idx="11"/>
+          <p:cNvPr id="7" name="Date Placeholder 6"/>
+          <p:cNvSpPr>
+            <a:spLocks noGrp="1"/>
+          </p:cNvSpPr>
+          <p:nvPr>
+            <p:ph type="dt" idx="13"/>
           </p:nvPr>
         </p:nvSpPr>
         <p:spPr/>
@@ -1411,30 +1259,14 @@
           <a:bodyPr/>
           <a:lstStyle/>
           <a:p>
+            <a:pPr>
+              <a:defRPr/>
+            </a:pPr>
+            <a:r>
+              <a:rPr lang="en-US" smtClean="0"/>
+              <a:t>Chef Software, Inc.</a:t>
+            </a:r>
             <a:endParaRPr lang="en-US" dirty="0"/>
-          </a:p>
-        </p:txBody>
-      </p:sp>
-      <p:sp>
-        <p:nvSpPr>
-          <p:cNvPr id="6" name="Footer Placeholder 5"/>
-          <p:cNvSpPr>
-            <a:spLocks noGrp="1"/>
-          </p:cNvSpPr>
-          <p:nvPr>
-            <p:ph type="ftr" sz="quarter" idx="12"/>
-          </p:nvPr>
-        </p:nvSpPr>
-        <p:spPr/>
-        <p:txBody>
-          <a:bodyPr/>
-          <a:lstStyle/>
-          <a:p>
-            <a:endParaRPr lang="en-US" sz="900" dirty="0" smtClean="0">
-              <a:solidFill>
-                <a:srgbClr val="000000"/>
-              </a:solidFill>
-            </a:endParaRPr>
           </a:p>
         </p:txBody>
       </p:sp>
@@ -1517,12 +1349,12 @@
       </p:sp>
       <p:sp>
         <p:nvSpPr>
-          <p:cNvPr id="4" name="Slide Number Placeholder 3"/>
-          <p:cNvSpPr>
-            <a:spLocks noGrp="1"/>
-          </p:cNvSpPr>
-          <p:nvPr>
-            <p:ph type="sldNum" sz="quarter" idx="10"/>
+          <p:cNvPr id="5" name="Header Placeholder 4"/>
+          <p:cNvSpPr>
+            <a:spLocks noGrp="1"/>
+          </p:cNvSpPr>
+          <p:nvPr>
+            <p:ph type="hdr" sz="quarter" idx="11"/>
           </p:nvPr>
         </p:nvSpPr>
         <p:spPr/>
@@ -1530,23 +1362,22 @@
           <a:bodyPr/>
           <a:lstStyle/>
           <a:p>
-            <a:fld id="{8B263312-38AA-4E1E-B2B5-0F8F122B24FE}" type="slidenum">
+            <a:r>
               <a:rPr lang="en-US" smtClean="0"/>
-              <a:pPr/>
-              <a:t>13</a:t>
-            </a:fld>
+              <a:t>Extending Cookbooks</a:t>
+            </a:r>
             <a:endParaRPr lang="en-US" dirty="0"/>
           </a:p>
         </p:txBody>
       </p:sp>
       <p:sp>
         <p:nvSpPr>
-          <p:cNvPr id="5" name="Header Placeholder 4"/>
-          <p:cNvSpPr>
-            <a:spLocks noGrp="1"/>
-          </p:cNvSpPr>
-          <p:nvPr>
-            <p:ph type="hdr" sz="quarter" idx="11"/>
+          <p:cNvPr id="7" name="Date Placeholder 6"/>
+          <p:cNvSpPr>
+            <a:spLocks noGrp="1"/>
+          </p:cNvSpPr>
+          <p:nvPr>
+            <p:ph type="dt" idx="13"/>
           </p:nvPr>
         </p:nvSpPr>
         <p:spPr/>
@@ -1554,30 +1385,14 @@
           <a:bodyPr/>
           <a:lstStyle/>
           <a:p>
+            <a:pPr>
+              <a:defRPr/>
+            </a:pPr>
+            <a:r>
+              <a:rPr lang="en-US" smtClean="0"/>
+              <a:t>Chef Software, Inc.</a:t>
+            </a:r>
             <a:endParaRPr lang="en-US" dirty="0"/>
-          </a:p>
-        </p:txBody>
-      </p:sp>
-      <p:sp>
-        <p:nvSpPr>
-          <p:cNvPr id="6" name="Footer Placeholder 5"/>
-          <p:cNvSpPr>
-            <a:spLocks noGrp="1"/>
-          </p:cNvSpPr>
-          <p:nvPr>
-            <p:ph type="ftr" sz="quarter" idx="12"/>
-          </p:nvPr>
-        </p:nvSpPr>
-        <p:spPr/>
-        <p:txBody>
-          <a:bodyPr/>
-          <a:lstStyle/>
-          <a:p>
-            <a:endParaRPr lang="en-US" sz="900" dirty="0" smtClean="0">
-              <a:solidFill>
-                <a:srgbClr val="000000"/>
-              </a:solidFill>
-            </a:endParaRPr>
           </a:p>
         </p:txBody>
       </p:sp>
@@ -1664,12 +1479,12 @@
       </p:sp>
       <p:sp>
         <p:nvSpPr>
-          <p:cNvPr id="4" name="Slide Number Placeholder 3"/>
-          <p:cNvSpPr>
-            <a:spLocks noGrp="1"/>
-          </p:cNvSpPr>
-          <p:nvPr>
-            <p:ph type="sldNum" sz="quarter" idx="10"/>
+          <p:cNvPr id="5" name="Header Placeholder 4"/>
+          <p:cNvSpPr>
+            <a:spLocks noGrp="1"/>
+          </p:cNvSpPr>
+          <p:nvPr>
+            <p:ph type="hdr" sz="quarter" idx="11"/>
           </p:nvPr>
         </p:nvSpPr>
         <p:spPr/>
@@ -1680,25 +1495,22 @@
             <a:pPr>
               <a:defRPr/>
             </a:pPr>
-            <a:fld id="{DC3734AA-3150-D947-AC52-2F5DF48BFCD5}" type="slidenum">
+            <a:r>
               <a:rPr lang="en-US" smtClean="0"/>
-              <a:pPr>
-                <a:defRPr/>
-              </a:pPr>
-              <a:t>14</a:t>
-            </a:fld>
-            <a:endParaRPr lang="en-US" dirty="0"/>
-          </a:p>
-        </p:txBody>
-      </p:sp>
-      <p:sp>
-        <p:nvSpPr>
-          <p:cNvPr id="5" name="Header Placeholder 4"/>
-          <p:cNvSpPr>
-            <a:spLocks noGrp="1"/>
-          </p:cNvSpPr>
-          <p:nvPr>
-            <p:ph type="hdr" sz="quarter" idx="11"/>
+              <a:t>Extending Cookbooks</a:t>
+            </a:r>
+            <a:endParaRPr lang="en-US"/>
+          </a:p>
+        </p:txBody>
+      </p:sp>
+      <p:sp>
+        <p:nvSpPr>
+          <p:cNvPr id="7" name="Date Placeholder 6"/>
+          <p:cNvSpPr>
+            <a:spLocks noGrp="1"/>
+          </p:cNvSpPr>
+          <p:nvPr>
+            <p:ph type="dt" idx="13"/>
           </p:nvPr>
         </p:nvSpPr>
         <p:spPr/>
@@ -1709,29 +1521,11 @@
             <a:pPr>
               <a:defRPr/>
             </a:pPr>
-            <a:endParaRPr lang="en-US"/>
-          </a:p>
-        </p:txBody>
-      </p:sp>
-      <p:sp>
-        <p:nvSpPr>
-          <p:cNvPr id="6" name="Footer Placeholder 5"/>
-          <p:cNvSpPr>
-            <a:spLocks noGrp="1"/>
-          </p:cNvSpPr>
-          <p:nvPr>
-            <p:ph type="ftr" sz="quarter" idx="12"/>
-          </p:nvPr>
-        </p:nvSpPr>
-        <p:spPr/>
-        <p:txBody>
-          <a:bodyPr/>
-          <a:lstStyle/>
-          <a:p>
-            <a:pPr>
-              <a:defRPr/>
-            </a:pPr>
-            <a:endParaRPr lang="en-US"/>
+            <a:r>
+              <a:rPr lang="en-US" smtClean="0"/>
+              <a:t>Chef Software, Inc.</a:t>
+            </a:r>
+            <a:endParaRPr lang="en-US" dirty="0"/>
           </a:p>
         </p:txBody>
       </p:sp>
@@ -1818,12 +1612,12 @@
       </p:sp>
       <p:sp>
         <p:nvSpPr>
-          <p:cNvPr id="4" name="Slide Number Placeholder 3"/>
-          <p:cNvSpPr>
-            <a:spLocks noGrp="1"/>
-          </p:cNvSpPr>
-          <p:nvPr>
-            <p:ph type="sldNum" sz="quarter" idx="10"/>
+          <p:cNvPr id="5" name="Header Placeholder 4"/>
+          <p:cNvSpPr>
+            <a:spLocks noGrp="1"/>
+          </p:cNvSpPr>
+          <p:nvPr>
+            <p:ph type="hdr" sz="quarter" idx="11"/>
           </p:nvPr>
         </p:nvSpPr>
         <p:spPr/>
@@ -1834,25 +1628,22 @@
             <a:pPr>
               <a:defRPr/>
             </a:pPr>
-            <a:fld id="{DC3734AA-3150-D947-AC52-2F5DF48BFCD5}" type="slidenum">
+            <a:r>
               <a:rPr lang="en-US" smtClean="0"/>
-              <a:pPr>
-                <a:defRPr/>
-              </a:pPr>
-              <a:t>15</a:t>
-            </a:fld>
-            <a:endParaRPr lang="en-US" dirty="0"/>
-          </a:p>
-        </p:txBody>
-      </p:sp>
-      <p:sp>
-        <p:nvSpPr>
-          <p:cNvPr id="5" name="Header Placeholder 4"/>
-          <p:cNvSpPr>
-            <a:spLocks noGrp="1"/>
-          </p:cNvSpPr>
-          <p:nvPr>
-            <p:ph type="hdr" sz="quarter" idx="11"/>
+              <a:t>Extending Cookbooks</a:t>
+            </a:r>
+            <a:endParaRPr lang="en-US"/>
+          </a:p>
+        </p:txBody>
+      </p:sp>
+      <p:sp>
+        <p:nvSpPr>
+          <p:cNvPr id="7" name="Date Placeholder 6"/>
+          <p:cNvSpPr>
+            <a:spLocks noGrp="1"/>
+          </p:cNvSpPr>
+          <p:nvPr>
+            <p:ph type="dt" idx="13"/>
           </p:nvPr>
         </p:nvSpPr>
         <p:spPr/>
@@ -1863,29 +1654,11 @@
             <a:pPr>
               <a:defRPr/>
             </a:pPr>
-            <a:endParaRPr lang="en-US"/>
-          </a:p>
-        </p:txBody>
-      </p:sp>
-      <p:sp>
-        <p:nvSpPr>
-          <p:cNvPr id="6" name="Footer Placeholder 5"/>
-          <p:cNvSpPr>
-            <a:spLocks noGrp="1"/>
-          </p:cNvSpPr>
-          <p:nvPr>
-            <p:ph type="ftr" sz="quarter" idx="12"/>
-          </p:nvPr>
-        </p:nvSpPr>
-        <p:spPr/>
-        <p:txBody>
-          <a:bodyPr/>
-          <a:lstStyle/>
-          <a:p>
-            <a:pPr>
-              <a:defRPr/>
-            </a:pPr>
-            <a:endParaRPr lang="en-US"/>
+            <a:r>
+              <a:rPr lang="en-US" smtClean="0"/>
+              <a:t>Chef Software, Inc.</a:t>
+            </a:r>
+            <a:endParaRPr lang="en-US" dirty="0"/>
           </a:p>
         </p:txBody>
       </p:sp>
@@ -1972,12 +1745,12 @@
       </p:sp>
       <p:sp>
         <p:nvSpPr>
-          <p:cNvPr id="4" name="Slide Number Placeholder 3"/>
-          <p:cNvSpPr>
-            <a:spLocks noGrp="1"/>
-          </p:cNvSpPr>
-          <p:nvPr>
-            <p:ph type="sldNum" sz="quarter" idx="10"/>
+          <p:cNvPr id="5" name="Header Placeholder 4"/>
+          <p:cNvSpPr>
+            <a:spLocks noGrp="1"/>
+          </p:cNvSpPr>
+          <p:nvPr>
+            <p:ph type="hdr" sz="quarter" idx="11"/>
           </p:nvPr>
         </p:nvSpPr>
         <p:spPr/>
@@ -1988,25 +1761,22 @@
             <a:pPr>
               <a:defRPr/>
             </a:pPr>
-            <a:fld id="{DC3734AA-3150-D947-AC52-2F5DF48BFCD5}" type="slidenum">
+            <a:r>
               <a:rPr lang="en-US" smtClean="0"/>
-              <a:pPr>
-                <a:defRPr/>
-              </a:pPr>
-              <a:t>16</a:t>
-            </a:fld>
-            <a:endParaRPr lang="en-US" dirty="0"/>
-          </a:p>
-        </p:txBody>
-      </p:sp>
-      <p:sp>
-        <p:nvSpPr>
-          <p:cNvPr id="5" name="Header Placeholder 4"/>
-          <p:cNvSpPr>
-            <a:spLocks noGrp="1"/>
-          </p:cNvSpPr>
-          <p:nvPr>
-            <p:ph type="hdr" sz="quarter" idx="11"/>
+              <a:t>Extending Cookbooks</a:t>
+            </a:r>
+            <a:endParaRPr lang="en-US"/>
+          </a:p>
+        </p:txBody>
+      </p:sp>
+      <p:sp>
+        <p:nvSpPr>
+          <p:cNvPr id="7" name="Date Placeholder 6"/>
+          <p:cNvSpPr>
+            <a:spLocks noGrp="1"/>
+          </p:cNvSpPr>
+          <p:nvPr>
+            <p:ph type="dt" idx="13"/>
           </p:nvPr>
         </p:nvSpPr>
         <p:spPr/>
@@ -2017,29 +1787,11 @@
             <a:pPr>
               <a:defRPr/>
             </a:pPr>
-            <a:endParaRPr lang="en-US"/>
-          </a:p>
-        </p:txBody>
-      </p:sp>
-      <p:sp>
-        <p:nvSpPr>
-          <p:cNvPr id="6" name="Footer Placeholder 5"/>
-          <p:cNvSpPr>
-            <a:spLocks noGrp="1"/>
-          </p:cNvSpPr>
-          <p:nvPr>
-            <p:ph type="ftr" sz="quarter" idx="12"/>
-          </p:nvPr>
-        </p:nvSpPr>
-        <p:spPr/>
-        <p:txBody>
-          <a:bodyPr/>
-          <a:lstStyle/>
-          <a:p>
-            <a:pPr>
-              <a:defRPr/>
-            </a:pPr>
-            <a:endParaRPr lang="en-US"/>
+            <a:r>
+              <a:rPr lang="en-US" smtClean="0"/>
+              <a:t>Chef Software, Inc.</a:t>
+            </a:r>
+            <a:endParaRPr lang="en-US" dirty="0"/>
           </a:p>
         </p:txBody>
       </p:sp>
@@ -2106,12 +1858,12 @@
       </p:sp>
       <p:sp>
         <p:nvSpPr>
-          <p:cNvPr id="4" name="Slide Number Placeholder 3"/>
-          <p:cNvSpPr>
-            <a:spLocks noGrp="1"/>
-          </p:cNvSpPr>
-          <p:nvPr>
-            <p:ph type="sldNum" sz="quarter" idx="10"/>
+          <p:cNvPr id="5" name="Header Placeholder 4"/>
+          <p:cNvSpPr>
+            <a:spLocks noGrp="1"/>
+          </p:cNvSpPr>
+          <p:nvPr>
+            <p:ph type="hdr" sz="quarter" idx="11"/>
           </p:nvPr>
         </p:nvSpPr>
         <p:spPr/>
@@ -2122,25 +1874,22 @@
             <a:pPr>
               <a:defRPr/>
             </a:pPr>
-            <a:fld id="{DC3734AA-3150-D947-AC52-2F5DF48BFCD5}" type="slidenum">
+            <a:r>
               <a:rPr lang="en-US" smtClean="0"/>
-              <a:pPr>
-                <a:defRPr/>
-              </a:pPr>
-              <a:t>17</a:t>
-            </a:fld>
-            <a:endParaRPr lang="en-US" dirty="0"/>
-          </a:p>
-        </p:txBody>
-      </p:sp>
-      <p:sp>
-        <p:nvSpPr>
-          <p:cNvPr id="5" name="Header Placeholder 4"/>
-          <p:cNvSpPr>
-            <a:spLocks noGrp="1"/>
-          </p:cNvSpPr>
-          <p:nvPr>
-            <p:ph type="hdr" sz="quarter" idx="11"/>
+              <a:t>Extending Cookbooks</a:t>
+            </a:r>
+            <a:endParaRPr lang="en-US"/>
+          </a:p>
+        </p:txBody>
+      </p:sp>
+      <p:sp>
+        <p:nvSpPr>
+          <p:cNvPr id="7" name="Date Placeholder 6"/>
+          <p:cNvSpPr>
+            <a:spLocks noGrp="1"/>
+          </p:cNvSpPr>
+          <p:nvPr>
+            <p:ph type="dt" idx="13"/>
           </p:nvPr>
         </p:nvSpPr>
         <p:spPr/>
@@ -2151,29 +1900,11 @@
             <a:pPr>
               <a:defRPr/>
             </a:pPr>
-            <a:endParaRPr lang="en-US"/>
-          </a:p>
-        </p:txBody>
-      </p:sp>
-      <p:sp>
-        <p:nvSpPr>
-          <p:cNvPr id="6" name="Footer Placeholder 5"/>
-          <p:cNvSpPr>
-            <a:spLocks noGrp="1"/>
-          </p:cNvSpPr>
-          <p:nvPr>
-            <p:ph type="ftr" sz="quarter" idx="12"/>
-          </p:nvPr>
-        </p:nvSpPr>
-        <p:spPr/>
-        <p:txBody>
-          <a:bodyPr/>
-          <a:lstStyle/>
-          <a:p>
-            <a:pPr>
-              <a:defRPr/>
-            </a:pPr>
-            <a:endParaRPr lang="en-US"/>
+            <a:r>
+              <a:rPr lang="en-US" smtClean="0"/>
+              <a:t>Chef Software, Inc.</a:t>
+            </a:r>
+            <a:endParaRPr lang="en-US" dirty="0"/>
           </a:p>
         </p:txBody>
       </p:sp>
@@ -2272,12 +2003,12 @@
       </p:sp>
       <p:sp>
         <p:nvSpPr>
-          <p:cNvPr id="4" name="Slide Number Placeholder 3"/>
-          <p:cNvSpPr>
-            <a:spLocks noGrp="1"/>
-          </p:cNvSpPr>
-          <p:nvPr>
-            <p:ph type="sldNum" sz="quarter" idx="10"/>
+          <p:cNvPr id="5" name="Header Placeholder 4"/>
+          <p:cNvSpPr>
+            <a:spLocks noGrp="1"/>
+          </p:cNvSpPr>
+          <p:nvPr>
+            <p:ph type="hdr" sz="quarter" idx="11"/>
           </p:nvPr>
         </p:nvSpPr>
         <p:spPr/>
@@ -2288,25 +2019,22 @@
             <a:pPr>
               <a:defRPr/>
             </a:pPr>
-            <a:fld id="{DC3734AA-3150-D947-AC52-2F5DF48BFCD5}" type="slidenum">
+            <a:r>
               <a:rPr lang="en-US" smtClean="0"/>
-              <a:pPr>
-                <a:defRPr/>
-              </a:pPr>
-              <a:t>18</a:t>
-            </a:fld>
-            <a:endParaRPr lang="en-US" dirty="0"/>
-          </a:p>
-        </p:txBody>
-      </p:sp>
-      <p:sp>
-        <p:nvSpPr>
-          <p:cNvPr id="5" name="Header Placeholder 4"/>
-          <p:cNvSpPr>
-            <a:spLocks noGrp="1"/>
-          </p:cNvSpPr>
-          <p:nvPr>
-            <p:ph type="hdr" sz="quarter" idx="11"/>
+              <a:t>Extending Cookbooks</a:t>
+            </a:r>
+            <a:endParaRPr lang="en-US"/>
+          </a:p>
+        </p:txBody>
+      </p:sp>
+      <p:sp>
+        <p:nvSpPr>
+          <p:cNvPr id="7" name="Date Placeholder 6"/>
+          <p:cNvSpPr>
+            <a:spLocks noGrp="1"/>
+          </p:cNvSpPr>
+          <p:nvPr>
+            <p:ph type="dt" idx="13"/>
           </p:nvPr>
         </p:nvSpPr>
         <p:spPr/>
@@ -2317,29 +2045,11 @@
             <a:pPr>
               <a:defRPr/>
             </a:pPr>
-            <a:endParaRPr lang="en-US"/>
-          </a:p>
-        </p:txBody>
-      </p:sp>
-      <p:sp>
-        <p:nvSpPr>
-          <p:cNvPr id="6" name="Footer Placeholder 5"/>
-          <p:cNvSpPr>
-            <a:spLocks noGrp="1"/>
-          </p:cNvSpPr>
-          <p:nvPr>
-            <p:ph type="ftr" sz="quarter" idx="12"/>
-          </p:nvPr>
-        </p:nvSpPr>
-        <p:spPr/>
-        <p:txBody>
-          <a:bodyPr/>
-          <a:lstStyle/>
-          <a:p>
-            <a:pPr>
-              <a:defRPr/>
-            </a:pPr>
-            <a:endParaRPr lang="en-US"/>
+            <a:r>
+              <a:rPr lang="en-US" smtClean="0"/>
+              <a:t>Chef Software, Inc.</a:t>
+            </a:r>
+            <a:endParaRPr lang="en-US" dirty="0"/>
           </a:p>
         </p:txBody>
       </p:sp>
@@ -2471,12 +2181,12 @@
       </p:sp>
       <p:sp>
         <p:nvSpPr>
-          <p:cNvPr id="4" name="Slide Number Placeholder 3"/>
-          <p:cNvSpPr>
-            <a:spLocks noGrp="1"/>
-          </p:cNvSpPr>
-          <p:nvPr>
-            <p:ph type="sldNum" sz="quarter" idx="10"/>
+          <p:cNvPr id="5" name="Header Placeholder 4"/>
+          <p:cNvSpPr>
+            <a:spLocks noGrp="1"/>
+          </p:cNvSpPr>
+          <p:nvPr>
+            <p:ph type="hdr" sz="quarter" idx="11"/>
           </p:nvPr>
         </p:nvSpPr>
         <p:spPr/>
@@ -2487,25 +2197,22 @@
             <a:pPr>
               <a:defRPr/>
             </a:pPr>
-            <a:fld id="{DC3734AA-3150-D947-AC52-2F5DF48BFCD5}" type="slidenum">
+            <a:r>
               <a:rPr lang="en-US" smtClean="0"/>
-              <a:pPr>
-                <a:defRPr/>
-              </a:pPr>
-              <a:t>19</a:t>
-            </a:fld>
-            <a:endParaRPr lang="en-US" dirty="0"/>
-          </a:p>
-        </p:txBody>
-      </p:sp>
-      <p:sp>
-        <p:nvSpPr>
-          <p:cNvPr id="5" name="Header Placeholder 4"/>
-          <p:cNvSpPr>
-            <a:spLocks noGrp="1"/>
-          </p:cNvSpPr>
-          <p:nvPr>
-            <p:ph type="hdr" sz="quarter" idx="11"/>
+              <a:t>Extending Cookbooks</a:t>
+            </a:r>
+            <a:endParaRPr lang="en-US"/>
+          </a:p>
+        </p:txBody>
+      </p:sp>
+      <p:sp>
+        <p:nvSpPr>
+          <p:cNvPr id="7" name="Date Placeholder 6"/>
+          <p:cNvSpPr>
+            <a:spLocks noGrp="1"/>
+          </p:cNvSpPr>
+          <p:nvPr>
+            <p:ph type="dt" idx="13"/>
           </p:nvPr>
         </p:nvSpPr>
         <p:spPr/>
@@ -2516,29 +2223,11 @@
             <a:pPr>
               <a:defRPr/>
             </a:pPr>
-            <a:endParaRPr lang="en-US"/>
-          </a:p>
-        </p:txBody>
-      </p:sp>
-      <p:sp>
-        <p:nvSpPr>
-          <p:cNvPr id="6" name="Footer Placeholder 5"/>
-          <p:cNvSpPr>
-            <a:spLocks noGrp="1"/>
-          </p:cNvSpPr>
-          <p:nvPr>
-            <p:ph type="ftr" sz="quarter" idx="12"/>
-          </p:nvPr>
-        </p:nvSpPr>
-        <p:spPr/>
-        <p:txBody>
-          <a:bodyPr/>
-          <a:lstStyle/>
-          <a:p>
-            <a:pPr>
-              <a:defRPr/>
-            </a:pPr>
-            <a:endParaRPr lang="en-US"/>
+            <a:r>
+              <a:rPr lang="en-US" smtClean="0"/>
+              <a:t>Chef Software, Inc.</a:t>
+            </a:r>
+            <a:endParaRPr lang="en-US" dirty="0"/>
           </a:p>
         </p:txBody>
       </p:sp>
@@ -2637,12 +2326,12 @@
       </p:sp>
       <p:sp>
         <p:nvSpPr>
-          <p:cNvPr id="4" name="Slide Number Placeholder 3"/>
-          <p:cNvSpPr>
-            <a:spLocks noGrp="1"/>
-          </p:cNvSpPr>
-          <p:nvPr>
-            <p:ph type="sldNum" sz="quarter" idx="10"/>
+          <p:cNvPr id="5" name="Header Placeholder 4"/>
+          <p:cNvSpPr>
+            <a:spLocks noGrp="1"/>
+          </p:cNvSpPr>
+          <p:nvPr>
+            <p:ph type="hdr" sz="quarter" idx="11"/>
           </p:nvPr>
         </p:nvSpPr>
         <p:spPr/>
@@ -2653,25 +2342,22 @@
             <a:pPr>
               <a:defRPr/>
             </a:pPr>
-            <a:fld id="{DC3734AA-3150-D947-AC52-2F5DF48BFCD5}" type="slidenum">
+            <a:r>
               <a:rPr lang="en-US" smtClean="0"/>
-              <a:pPr>
-                <a:defRPr/>
-              </a:pPr>
-              <a:t>2</a:t>
-            </a:fld>
-            <a:endParaRPr lang="en-US" dirty="0"/>
-          </a:p>
-        </p:txBody>
-      </p:sp>
-      <p:sp>
-        <p:nvSpPr>
-          <p:cNvPr id="5" name="Header Placeholder 4"/>
-          <p:cNvSpPr>
-            <a:spLocks noGrp="1"/>
-          </p:cNvSpPr>
-          <p:nvPr>
-            <p:ph type="hdr" sz="quarter" idx="11"/>
+              <a:t>Extending Cookbooks</a:t>
+            </a:r>
+            <a:endParaRPr lang="en-US"/>
+          </a:p>
+        </p:txBody>
+      </p:sp>
+      <p:sp>
+        <p:nvSpPr>
+          <p:cNvPr id="7" name="Date Placeholder 6"/>
+          <p:cNvSpPr>
+            <a:spLocks noGrp="1"/>
+          </p:cNvSpPr>
+          <p:nvPr>
+            <p:ph type="dt" idx="13"/>
           </p:nvPr>
         </p:nvSpPr>
         <p:spPr/>
@@ -2682,29 +2368,11 @@
             <a:pPr>
               <a:defRPr/>
             </a:pPr>
-            <a:endParaRPr lang="en-US"/>
-          </a:p>
-        </p:txBody>
-      </p:sp>
-      <p:sp>
-        <p:nvSpPr>
-          <p:cNvPr id="6" name="Footer Placeholder 5"/>
-          <p:cNvSpPr>
-            <a:spLocks noGrp="1"/>
-          </p:cNvSpPr>
-          <p:nvPr>
-            <p:ph type="ftr" sz="quarter" idx="12"/>
-          </p:nvPr>
-        </p:nvSpPr>
-        <p:spPr/>
-        <p:txBody>
-          <a:bodyPr/>
-          <a:lstStyle/>
-          <a:p>
-            <a:pPr>
-              <a:defRPr/>
-            </a:pPr>
-            <a:endParaRPr lang="en-US"/>
+            <a:r>
+              <a:rPr lang="en-US" smtClean="0"/>
+              <a:t>Chef Software, Inc.</a:t>
+            </a:r>
+            <a:endParaRPr lang="en-US" dirty="0"/>
           </a:p>
         </p:txBody>
       </p:sp>
@@ -2803,12 +2471,12 @@
       </p:sp>
       <p:sp>
         <p:nvSpPr>
-          <p:cNvPr id="4" name="Slide Number Placeholder 3"/>
-          <p:cNvSpPr>
-            <a:spLocks noGrp="1"/>
-          </p:cNvSpPr>
-          <p:nvPr>
-            <p:ph type="sldNum" sz="quarter" idx="10"/>
+          <p:cNvPr id="5" name="Header Placeholder 4"/>
+          <p:cNvSpPr>
+            <a:spLocks noGrp="1"/>
+          </p:cNvSpPr>
+          <p:nvPr>
+            <p:ph type="hdr" sz="quarter" idx="11"/>
           </p:nvPr>
         </p:nvSpPr>
         <p:spPr/>
@@ -2819,25 +2487,22 @@
             <a:pPr>
               <a:defRPr/>
             </a:pPr>
-            <a:fld id="{DC3734AA-3150-D947-AC52-2F5DF48BFCD5}" type="slidenum">
+            <a:r>
               <a:rPr lang="en-US" smtClean="0"/>
-              <a:pPr>
-                <a:defRPr/>
-              </a:pPr>
-              <a:t>20</a:t>
-            </a:fld>
-            <a:endParaRPr lang="en-US" dirty="0"/>
-          </a:p>
-        </p:txBody>
-      </p:sp>
-      <p:sp>
-        <p:nvSpPr>
-          <p:cNvPr id="5" name="Header Placeholder 4"/>
-          <p:cNvSpPr>
-            <a:spLocks noGrp="1"/>
-          </p:cNvSpPr>
-          <p:nvPr>
-            <p:ph type="hdr" sz="quarter" idx="11"/>
+              <a:t>Extending Cookbooks</a:t>
+            </a:r>
+            <a:endParaRPr lang="en-US"/>
+          </a:p>
+        </p:txBody>
+      </p:sp>
+      <p:sp>
+        <p:nvSpPr>
+          <p:cNvPr id="7" name="Date Placeholder 6"/>
+          <p:cNvSpPr>
+            <a:spLocks noGrp="1"/>
+          </p:cNvSpPr>
+          <p:nvPr>
+            <p:ph type="dt" idx="13"/>
           </p:nvPr>
         </p:nvSpPr>
         <p:spPr/>
@@ -2848,29 +2513,11 @@
             <a:pPr>
               <a:defRPr/>
             </a:pPr>
-            <a:endParaRPr lang="en-US"/>
-          </a:p>
-        </p:txBody>
-      </p:sp>
-      <p:sp>
-        <p:nvSpPr>
-          <p:cNvPr id="6" name="Footer Placeholder 5"/>
-          <p:cNvSpPr>
-            <a:spLocks noGrp="1"/>
-          </p:cNvSpPr>
-          <p:nvPr>
-            <p:ph type="ftr" sz="quarter" idx="12"/>
-          </p:nvPr>
-        </p:nvSpPr>
-        <p:spPr/>
-        <p:txBody>
-          <a:bodyPr/>
-          <a:lstStyle/>
-          <a:p>
-            <a:pPr>
-              <a:defRPr/>
-            </a:pPr>
-            <a:endParaRPr lang="en-US"/>
+            <a:r>
+              <a:rPr lang="en-US" smtClean="0"/>
+              <a:t>Chef Software, Inc.</a:t>
+            </a:r>
+            <a:endParaRPr lang="en-US" dirty="0"/>
           </a:p>
         </p:txBody>
       </p:sp>
@@ -2961,12 +2608,12 @@
       </p:sp>
       <p:sp>
         <p:nvSpPr>
-          <p:cNvPr id="4" name="Slide Number Placeholder 3"/>
-          <p:cNvSpPr>
-            <a:spLocks noGrp="1"/>
-          </p:cNvSpPr>
-          <p:nvPr>
-            <p:ph type="sldNum" sz="quarter" idx="10"/>
+          <p:cNvPr id="5" name="Header Placeholder 4"/>
+          <p:cNvSpPr>
+            <a:spLocks noGrp="1"/>
+          </p:cNvSpPr>
+          <p:nvPr>
+            <p:ph type="hdr" sz="quarter" idx="11"/>
           </p:nvPr>
         </p:nvSpPr>
         <p:spPr/>
@@ -2977,25 +2624,22 @@
             <a:pPr>
               <a:defRPr/>
             </a:pPr>
-            <a:fld id="{DC3734AA-3150-D947-AC52-2F5DF48BFCD5}" type="slidenum">
+            <a:r>
               <a:rPr lang="en-US" smtClean="0"/>
-              <a:pPr>
-                <a:defRPr/>
-              </a:pPr>
-              <a:t>21</a:t>
-            </a:fld>
-            <a:endParaRPr lang="en-US" dirty="0"/>
-          </a:p>
-        </p:txBody>
-      </p:sp>
-      <p:sp>
-        <p:nvSpPr>
-          <p:cNvPr id="5" name="Header Placeholder 4"/>
-          <p:cNvSpPr>
-            <a:spLocks noGrp="1"/>
-          </p:cNvSpPr>
-          <p:nvPr>
-            <p:ph type="hdr" sz="quarter" idx="11"/>
+              <a:t>Extending Cookbooks</a:t>
+            </a:r>
+            <a:endParaRPr lang="en-US"/>
+          </a:p>
+        </p:txBody>
+      </p:sp>
+      <p:sp>
+        <p:nvSpPr>
+          <p:cNvPr id="7" name="Date Placeholder 6"/>
+          <p:cNvSpPr>
+            <a:spLocks noGrp="1"/>
+          </p:cNvSpPr>
+          <p:nvPr>
+            <p:ph type="dt" idx="13"/>
           </p:nvPr>
         </p:nvSpPr>
         <p:spPr/>
@@ -3006,29 +2650,11 @@
             <a:pPr>
               <a:defRPr/>
             </a:pPr>
-            <a:endParaRPr lang="en-US"/>
-          </a:p>
-        </p:txBody>
-      </p:sp>
-      <p:sp>
-        <p:nvSpPr>
-          <p:cNvPr id="6" name="Footer Placeholder 5"/>
-          <p:cNvSpPr>
-            <a:spLocks noGrp="1"/>
-          </p:cNvSpPr>
-          <p:nvPr>
-            <p:ph type="ftr" sz="quarter" idx="12"/>
-          </p:nvPr>
-        </p:nvSpPr>
-        <p:spPr/>
-        <p:txBody>
-          <a:bodyPr/>
-          <a:lstStyle/>
-          <a:p>
-            <a:pPr>
-              <a:defRPr/>
-            </a:pPr>
-            <a:endParaRPr lang="en-US"/>
+            <a:r>
+              <a:rPr lang="en-US" smtClean="0"/>
+              <a:t>Chef Software, Inc.</a:t>
+            </a:r>
+            <a:endParaRPr lang="en-US" dirty="0"/>
           </a:p>
         </p:txBody>
       </p:sp>
@@ -3147,12 +2773,12 @@
       </p:sp>
       <p:sp>
         <p:nvSpPr>
-          <p:cNvPr id="4" name="Slide Number Placeholder 3"/>
-          <p:cNvSpPr>
-            <a:spLocks noGrp="1"/>
-          </p:cNvSpPr>
-          <p:nvPr>
-            <p:ph type="sldNum" sz="quarter" idx="10"/>
+          <p:cNvPr id="5" name="Header Placeholder 4"/>
+          <p:cNvSpPr>
+            <a:spLocks noGrp="1"/>
+          </p:cNvSpPr>
+          <p:nvPr>
+            <p:ph type="hdr" sz="quarter" idx="11"/>
           </p:nvPr>
         </p:nvSpPr>
         <p:spPr/>
@@ -3163,25 +2789,22 @@
             <a:pPr>
               <a:defRPr/>
             </a:pPr>
-            <a:fld id="{DC3734AA-3150-D947-AC52-2F5DF48BFCD5}" type="slidenum">
+            <a:r>
               <a:rPr lang="en-US" smtClean="0"/>
-              <a:pPr>
-                <a:defRPr/>
-              </a:pPr>
-              <a:t>22</a:t>
-            </a:fld>
-            <a:endParaRPr lang="en-US" dirty="0"/>
-          </a:p>
-        </p:txBody>
-      </p:sp>
-      <p:sp>
-        <p:nvSpPr>
-          <p:cNvPr id="5" name="Header Placeholder 4"/>
-          <p:cNvSpPr>
-            <a:spLocks noGrp="1"/>
-          </p:cNvSpPr>
-          <p:nvPr>
-            <p:ph type="hdr" sz="quarter" idx="11"/>
+              <a:t>Extending Cookbooks</a:t>
+            </a:r>
+            <a:endParaRPr lang="en-US"/>
+          </a:p>
+        </p:txBody>
+      </p:sp>
+      <p:sp>
+        <p:nvSpPr>
+          <p:cNvPr id="7" name="Date Placeholder 6"/>
+          <p:cNvSpPr>
+            <a:spLocks noGrp="1"/>
+          </p:cNvSpPr>
+          <p:nvPr>
+            <p:ph type="dt" idx="13"/>
           </p:nvPr>
         </p:nvSpPr>
         <p:spPr/>
@@ -3192,29 +2815,11 @@
             <a:pPr>
               <a:defRPr/>
             </a:pPr>
-            <a:endParaRPr lang="en-US"/>
-          </a:p>
-        </p:txBody>
-      </p:sp>
-      <p:sp>
-        <p:nvSpPr>
-          <p:cNvPr id="6" name="Footer Placeholder 5"/>
-          <p:cNvSpPr>
-            <a:spLocks noGrp="1"/>
-          </p:cNvSpPr>
-          <p:nvPr>
-            <p:ph type="ftr" sz="quarter" idx="12"/>
-          </p:nvPr>
-        </p:nvSpPr>
-        <p:spPr/>
-        <p:txBody>
-          <a:bodyPr/>
-          <a:lstStyle/>
-          <a:p>
-            <a:pPr>
-              <a:defRPr/>
-            </a:pPr>
-            <a:endParaRPr lang="en-US"/>
+            <a:r>
+              <a:rPr lang="en-US" smtClean="0"/>
+              <a:t>Chef Software, Inc.</a:t>
+            </a:r>
+            <a:endParaRPr lang="en-US" dirty="0"/>
           </a:p>
         </p:txBody>
       </p:sp>
@@ -3305,12 +2910,12 @@
       </p:sp>
       <p:sp>
         <p:nvSpPr>
-          <p:cNvPr id="4" name="Slide Number Placeholder 3"/>
-          <p:cNvSpPr>
-            <a:spLocks noGrp="1"/>
-          </p:cNvSpPr>
-          <p:nvPr>
-            <p:ph type="sldNum" sz="quarter" idx="10"/>
+          <p:cNvPr id="5" name="Header Placeholder 4"/>
+          <p:cNvSpPr>
+            <a:spLocks noGrp="1"/>
+          </p:cNvSpPr>
+          <p:nvPr>
+            <p:ph type="hdr" sz="quarter" idx="11"/>
           </p:nvPr>
         </p:nvSpPr>
         <p:spPr/>
@@ -3321,25 +2926,22 @@
             <a:pPr>
               <a:defRPr/>
             </a:pPr>
-            <a:fld id="{DC3734AA-3150-D947-AC52-2F5DF48BFCD5}" type="slidenum">
+            <a:r>
               <a:rPr lang="en-US" smtClean="0"/>
-              <a:pPr>
-                <a:defRPr/>
-              </a:pPr>
-              <a:t>23</a:t>
-            </a:fld>
-            <a:endParaRPr lang="en-US" dirty="0"/>
-          </a:p>
-        </p:txBody>
-      </p:sp>
-      <p:sp>
-        <p:nvSpPr>
-          <p:cNvPr id="5" name="Header Placeholder 4"/>
-          <p:cNvSpPr>
-            <a:spLocks noGrp="1"/>
-          </p:cNvSpPr>
-          <p:nvPr>
-            <p:ph type="hdr" sz="quarter" idx="11"/>
+              <a:t>Extending Cookbooks</a:t>
+            </a:r>
+            <a:endParaRPr lang="en-US"/>
+          </a:p>
+        </p:txBody>
+      </p:sp>
+      <p:sp>
+        <p:nvSpPr>
+          <p:cNvPr id="7" name="Date Placeholder 6"/>
+          <p:cNvSpPr>
+            <a:spLocks noGrp="1"/>
+          </p:cNvSpPr>
+          <p:nvPr>
+            <p:ph type="dt" idx="13"/>
           </p:nvPr>
         </p:nvSpPr>
         <p:spPr/>
@@ -3350,29 +2952,11 @@
             <a:pPr>
               <a:defRPr/>
             </a:pPr>
-            <a:endParaRPr lang="en-US"/>
-          </a:p>
-        </p:txBody>
-      </p:sp>
-      <p:sp>
-        <p:nvSpPr>
-          <p:cNvPr id="6" name="Footer Placeholder 5"/>
-          <p:cNvSpPr>
-            <a:spLocks noGrp="1"/>
-          </p:cNvSpPr>
-          <p:nvPr>
-            <p:ph type="ftr" sz="quarter" idx="12"/>
-          </p:nvPr>
-        </p:nvSpPr>
-        <p:spPr/>
-        <p:txBody>
-          <a:bodyPr/>
-          <a:lstStyle/>
-          <a:p>
-            <a:pPr>
-              <a:defRPr/>
-            </a:pPr>
-            <a:endParaRPr lang="en-US"/>
+            <a:r>
+              <a:rPr lang="en-US" smtClean="0"/>
+              <a:t>Chef Software, Inc.</a:t>
+            </a:r>
+            <a:endParaRPr lang="en-US" dirty="0"/>
           </a:p>
         </p:txBody>
       </p:sp>
@@ -3506,12 +3090,12 @@
       </p:sp>
       <p:sp>
         <p:nvSpPr>
-          <p:cNvPr id="4" name="Slide Number Placeholder 3"/>
-          <p:cNvSpPr>
-            <a:spLocks noGrp="1"/>
-          </p:cNvSpPr>
-          <p:nvPr>
-            <p:ph type="sldNum" sz="quarter" idx="10"/>
+          <p:cNvPr id="5" name="Header Placeholder 4"/>
+          <p:cNvSpPr>
+            <a:spLocks noGrp="1"/>
+          </p:cNvSpPr>
+          <p:nvPr>
+            <p:ph type="hdr" sz="quarter" idx="11"/>
           </p:nvPr>
         </p:nvSpPr>
         <p:spPr/>
@@ -3522,25 +3106,22 @@
             <a:pPr>
               <a:defRPr/>
             </a:pPr>
-            <a:fld id="{DC3734AA-3150-D947-AC52-2F5DF48BFCD5}" type="slidenum">
+            <a:r>
               <a:rPr lang="en-US" smtClean="0"/>
-              <a:pPr>
-                <a:defRPr/>
-              </a:pPr>
-              <a:t>24</a:t>
-            </a:fld>
-            <a:endParaRPr lang="en-US" dirty="0"/>
-          </a:p>
-        </p:txBody>
-      </p:sp>
-      <p:sp>
-        <p:nvSpPr>
-          <p:cNvPr id="5" name="Header Placeholder 4"/>
-          <p:cNvSpPr>
-            <a:spLocks noGrp="1"/>
-          </p:cNvSpPr>
-          <p:nvPr>
-            <p:ph type="hdr" sz="quarter" idx="11"/>
+              <a:t>Extending Cookbooks</a:t>
+            </a:r>
+            <a:endParaRPr lang="en-US"/>
+          </a:p>
+        </p:txBody>
+      </p:sp>
+      <p:sp>
+        <p:nvSpPr>
+          <p:cNvPr id="7" name="Date Placeholder 6"/>
+          <p:cNvSpPr>
+            <a:spLocks noGrp="1"/>
+          </p:cNvSpPr>
+          <p:nvPr>
+            <p:ph type="dt" idx="13"/>
           </p:nvPr>
         </p:nvSpPr>
         <p:spPr/>
@@ -3551,29 +3132,11 @@
             <a:pPr>
               <a:defRPr/>
             </a:pPr>
-            <a:endParaRPr lang="en-US"/>
-          </a:p>
-        </p:txBody>
-      </p:sp>
-      <p:sp>
-        <p:nvSpPr>
-          <p:cNvPr id="6" name="Footer Placeholder 5"/>
-          <p:cNvSpPr>
-            <a:spLocks noGrp="1"/>
-          </p:cNvSpPr>
-          <p:nvPr>
-            <p:ph type="ftr" sz="quarter" idx="12"/>
-          </p:nvPr>
-        </p:nvSpPr>
-        <p:spPr/>
-        <p:txBody>
-          <a:bodyPr/>
-          <a:lstStyle/>
-          <a:p>
-            <a:pPr>
-              <a:defRPr/>
-            </a:pPr>
-            <a:endParaRPr lang="en-US"/>
+            <a:r>
+              <a:rPr lang="en-US" smtClean="0"/>
+              <a:t>Chef Software, Inc.</a:t>
+            </a:r>
+            <a:endParaRPr lang="en-US" dirty="0"/>
           </a:p>
         </p:txBody>
       </p:sp>
@@ -3648,12 +3211,12 @@
       </p:sp>
       <p:sp>
         <p:nvSpPr>
-          <p:cNvPr id="4" name="Slide Number Placeholder 3"/>
-          <p:cNvSpPr>
-            <a:spLocks noGrp="1"/>
-          </p:cNvSpPr>
-          <p:nvPr>
-            <p:ph type="sldNum" sz="quarter" idx="10"/>
+          <p:cNvPr id="5" name="Header Placeholder 4"/>
+          <p:cNvSpPr>
+            <a:spLocks noGrp="1"/>
+          </p:cNvSpPr>
+          <p:nvPr>
+            <p:ph type="hdr" sz="quarter" idx="11"/>
           </p:nvPr>
         </p:nvSpPr>
         <p:spPr/>
@@ -3664,25 +3227,22 @@
             <a:pPr>
               <a:defRPr/>
             </a:pPr>
-            <a:fld id="{DC3734AA-3150-D947-AC52-2F5DF48BFCD5}" type="slidenum">
+            <a:r>
               <a:rPr lang="en-US" smtClean="0"/>
-              <a:pPr>
-                <a:defRPr/>
-              </a:pPr>
-              <a:t>25</a:t>
-            </a:fld>
-            <a:endParaRPr lang="en-US" dirty="0"/>
-          </a:p>
-        </p:txBody>
-      </p:sp>
-      <p:sp>
-        <p:nvSpPr>
-          <p:cNvPr id="5" name="Header Placeholder 4"/>
-          <p:cNvSpPr>
-            <a:spLocks noGrp="1"/>
-          </p:cNvSpPr>
-          <p:nvPr>
-            <p:ph type="hdr" sz="quarter" idx="11"/>
+              <a:t>Extending Cookbooks</a:t>
+            </a:r>
+            <a:endParaRPr lang="en-US"/>
+          </a:p>
+        </p:txBody>
+      </p:sp>
+      <p:sp>
+        <p:nvSpPr>
+          <p:cNvPr id="7" name="Date Placeholder 6"/>
+          <p:cNvSpPr>
+            <a:spLocks noGrp="1"/>
+          </p:cNvSpPr>
+          <p:nvPr>
+            <p:ph type="dt" idx="13"/>
           </p:nvPr>
         </p:nvSpPr>
         <p:spPr/>
@@ -3693,29 +3253,11 @@
             <a:pPr>
               <a:defRPr/>
             </a:pPr>
-            <a:endParaRPr lang="en-US"/>
-          </a:p>
-        </p:txBody>
-      </p:sp>
-      <p:sp>
-        <p:nvSpPr>
-          <p:cNvPr id="6" name="Footer Placeholder 5"/>
-          <p:cNvSpPr>
-            <a:spLocks noGrp="1"/>
-          </p:cNvSpPr>
-          <p:nvPr>
-            <p:ph type="ftr" sz="quarter" idx="12"/>
-          </p:nvPr>
-        </p:nvSpPr>
-        <p:spPr/>
-        <p:txBody>
-          <a:bodyPr/>
-          <a:lstStyle/>
-          <a:p>
-            <a:pPr>
-              <a:defRPr/>
-            </a:pPr>
-            <a:endParaRPr lang="en-US"/>
+            <a:r>
+              <a:rPr lang="en-US" smtClean="0"/>
+              <a:t>Chef Software, Inc.</a:t>
+            </a:r>
+            <a:endParaRPr lang="en-US" dirty="0"/>
           </a:p>
         </p:txBody>
       </p:sp>
@@ -3806,12 +3348,12 @@
       </p:sp>
       <p:sp>
         <p:nvSpPr>
-          <p:cNvPr id="4" name="Slide Number Placeholder 3"/>
-          <p:cNvSpPr>
-            <a:spLocks noGrp="1"/>
-          </p:cNvSpPr>
-          <p:nvPr>
-            <p:ph type="sldNum" sz="quarter" idx="10"/>
+          <p:cNvPr id="5" name="Header Placeholder 4"/>
+          <p:cNvSpPr>
+            <a:spLocks noGrp="1"/>
+          </p:cNvSpPr>
+          <p:nvPr>
+            <p:ph type="hdr" sz="quarter" idx="11"/>
           </p:nvPr>
         </p:nvSpPr>
         <p:spPr/>
@@ -3822,25 +3364,22 @@
             <a:pPr>
               <a:defRPr/>
             </a:pPr>
-            <a:fld id="{DC3734AA-3150-D947-AC52-2F5DF48BFCD5}" type="slidenum">
+            <a:r>
               <a:rPr lang="en-US" smtClean="0"/>
-              <a:pPr>
-                <a:defRPr/>
-              </a:pPr>
-              <a:t>3</a:t>
-            </a:fld>
-            <a:endParaRPr lang="en-US" dirty="0"/>
-          </a:p>
-        </p:txBody>
-      </p:sp>
-      <p:sp>
-        <p:nvSpPr>
-          <p:cNvPr id="5" name="Header Placeholder 4"/>
-          <p:cNvSpPr>
-            <a:spLocks noGrp="1"/>
-          </p:cNvSpPr>
-          <p:nvPr>
-            <p:ph type="hdr" sz="quarter" idx="11"/>
+              <a:t>Extending Cookbooks</a:t>
+            </a:r>
+            <a:endParaRPr lang="en-US"/>
+          </a:p>
+        </p:txBody>
+      </p:sp>
+      <p:sp>
+        <p:nvSpPr>
+          <p:cNvPr id="7" name="Date Placeholder 6"/>
+          <p:cNvSpPr>
+            <a:spLocks noGrp="1"/>
+          </p:cNvSpPr>
+          <p:nvPr>
+            <p:ph type="dt" idx="13"/>
           </p:nvPr>
         </p:nvSpPr>
         <p:spPr/>
@@ -3851,29 +3390,11 @@
             <a:pPr>
               <a:defRPr/>
             </a:pPr>
-            <a:endParaRPr lang="en-US"/>
-          </a:p>
-        </p:txBody>
-      </p:sp>
-      <p:sp>
-        <p:nvSpPr>
-          <p:cNvPr id="6" name="Footer Placeholder 5"/>
-          <p:cNvSpPr>
-            <a:spLocks noGrp="1"/>
-          </p:cNvSpPr>
-          <p:nvPr>
-            <p:ph type="ftr" sz="quarter" idx="12"/>
-          </p:nvPr>
-        </p:nvSpPr>
-        <p:spPr/>
-        <p:txBody>
-          <a:bodyPr/>
-          <a:lstStyle/>
-          <a:p>
-            <a:pPr>
-              <a:defRPr/>
-            </a:pPr>
-            <a:endParaRPr lang="en-US"/>
+            <a:r>
+              <a:rPr lang="en-US" smtClean="0"/>
+              <a:t>Chef Software, Inc.</a:t>
+            </a:r>
+            <a:endParaRPr lang="en-US" dirty="0"/>
           </a:p>
         </p:txBody>
       </p:sp>
@@ -3960,12 +3481,12 @@
       </p:sp>
       <p:sp>
         <p:nvSpPr>
-          <p:cNvPr id="4" name="Slide Number Placeholder 3"/>
-          <p:cNvSpPr>
-            <a:spLocks noGrp="1"/>
-          </p:cNvSpPr>
-          <p:nvPr>
-            <p:ph type="sldNum" sz="quarter" idx="10"/>
+          <p:cNvPr id="5" name="Header Placeholder 4"/>
+          <p:cNvSpPr>
+            <a:spLocks noGrp="1"/>
+          </p:cNvSpPr>
+          <p:nvPr>
+            <p:ph type="hdr" sz="quarter" idx="11"/>
           </p:nvPr>
         </p:nvSpPr>
         <p:spPr/>
@@ -3976,25 +3497,22 @@
             <a:pPr>
               <a:defRPr/>
             </a:pPr>
-            <a:fld id="{DC3734AA-3150-D947-AC52-2F5DF48BFCD5}" type="slidenum">
+            <a:r>
               <a:rPr lang="en-US" smtClean="0"/>
-              <a:pPr>
-                <a:defRPr/>
-              </a:pPr>
-              <a:t>4</a:t>
-            </a:fld>
-            <a:endParaRPr lang="en-US" dirty="0"/>
-          </a:p>
-        </p:txBody>
-      </p:sp>
-      <p:sp>
-        <p:nvSpPr>
-          <p:cNvPr id="5" name="Header Placeholder 4"/>
-          <p:cNvSpPr>
-            <a:spLocks noGrp="1"/>
-          </p:cNvSpPr>
-          <p:nvPr>
-            <p:ph type="hdr" sz="quarter" idx="11"/>
+              <a:t>Extending Cookbooks</a:t>
+            </a:r>
+            <a:endParaRPr lang="en-US"/>
+          </a:p>
+        </p:txBody>
+      </p:sp>
+      <p:sp>
+        <p:nvSpPr>
+          <p:cNvPr id="7" name="Date Placeholder 6"/>
+          <p:cNvSpPr>
+            <a:spLocks noGrp="1"/>
+          </p:cNvSpPr>
+          <p:nvPr>
+            <p:ph type="dt" idx="13"/>
           </p:nvPr>
         </p:nvSpPr>
         <p:spPr/>
@@ -4005,29 +3523,11 @@
             <a:pPr>
               <a:defRPr/>
             </a:pPr>
-            <a:endParaRPr lang="en-US"/>
-          </a:p>
-        </p:txBody>
-      </p:sp>
-      <p:sp>
-        <p:nvSpPr>
-          <p:cNvPr id="6" name="Footer Placeholder 5"/>
-          <p:cNvSpPr>
-            <a:spLocks noGrp="1"/>
-          </p:cNvSpPr>
-          <p:nvPr>
-            <p:ph type="ftr" sz="quarter" idx="12"/>
-          </p:nvPr>
-        </p:nvSpPr>
-        <p:spPr/>
-        <p:txBody>
-          <a:bodyPr/>
-          <a:lstStyle/>
-          <a:p>
-            <a:pPr>
-              <a:defRPr/>
-            </a:pPr>
-            <a:endParaRPr lang="en-US"/>
+            <a:r>
+              <a:rPr lang="en-US" smtClean="0"/>
+              <a:t>Chef Software, Inc.</a:t>
+            </a:r>
+            <a:endParaRPr lang="en-US" dirty="0"/>
           </a:p>
         </p:txBody>
       </p:sp>
@@ -4098,12 +3598,12 @@
       </p:sp>
       <p:sp>
         <p:nvSpPr>
-          <p:cNvPr id="4" name="Slide Number Placeholder 3"/>
-          <p:cNvSpPr>
-            <a:spLocks noGrp="1"/>
-          </p:cNvSpPr>
-          <p:nvPr>
-            <p:ph type="sldNum" sz="quarter" idx="10"/>
+          <p:cNvPr id="5" name="Header Placeholder 4"/>
+          <p:cNvSpPr>
+            <a:spLocks noGrp="1"/>
+          </p:cNvSpPr>
+          <p:nvPr>
+            <p:ph type="hdr" sz="quarter" idx="11"/>
           </p:nvPr>
         </p:nvSpPr>
         <p:spPr/>
@@ -4111,23 +3611,22 @@
           <a:bodyPr/>
           <a:lstStyle/>
           <a:p>
-            <a:fld id="{8B263312-38AA-4E1E-B2B5-0F8F122B24FE}" type="slidenum">
+            <a:r>
               <a:rPr lang="en-US" smtClean="0"/>
-              <a:pPr/>
-              <a:t>5</a:t>
-            </a:fld>
+              <a:t>Extending Cookbooks</a:t>
+            </a:r>
             <a:endParaRPr lang="en-US" dirty="0"/>
           </a:p>
         </p:txBody>
       </p:sp>
       <p:sp>
         <p:nvSpPr>
-          <p:cNvPr id="5" name="Header Placeholder 4"/>
-          <p:cNvSpPr>
-            <a:spLocks noGrp="1"/>
-          </p:cNvSpPr>
-          <p:nvPr>
-            <p:ph type="hdr" sz="quarter" idx="11"/>
+          <p:cNvPr id="7" name="Date Placeholder 6"/>
+          <p:cNvSpPr>
+            <a:spLocks noGrp="1"/>
+          </p:cNvSpPr>
+          <p:nvPr>
+            <p:ph type="dt" idx="13"/>
           </p:nvPr>
         </p:nvSpPr>
         <p:spPr/>
@@ -4135,30 +3634,14 @@
           <a:bodyPr/>
           <a:lstStyle/>
           <a:p>
+            <a:pPr>
+              <a:defRPr/>
+            </a:pPr>
+            <a:r>
+              <a:rPr lang="en-US" smtClean="0"/>
+              <a:t>Chef Software, Inc.</a:t>
+            </a:r>
             <a:endParaRPr lang="en-US" dirty="0"/>
-          </a:p>
-        </p:txBody>
-      </p:sp>
-      <p:sp>
-        <p:nvSpPr>
-          <p:cNvPr id="6" name="Footer Placeholder 5"/>
-          <p:cNvSpPr>
-            <a:spLocks noGrp="1"/>
-          </p:cNvSpPr>
-          <p:nvPr>
-            <p:ph type="ftr" sz="quarter" idx="12"/>
-          </p:nvPr>
-        </p:nvSpPr>
-        <p:spPr/>
-        <p:txBody>
-          <a:bodyPr/>
-          <a:lstStyle/>
-          <a:p>
-            <a:endParaRPr lang="en-US" sz="900" dirty="0" smtClean="0">
-              <a:solidFill>
-                <a:srgbClr val="000000"/>
-              </a:solidFill>
-            </a:endParaRPr>
           </a:p>
         </p:txBody>
       </p:sp>
@@ -4241,12 +3724,12 @@
       </p:sp>
       <p:sp>
         <p:nvSpPr>
-          <p:cNvPr id="4" name="Slide Number Placeholder 3"/>
-          <p:cNvSpPr>
-            <a:spLocks noGrp="1"/>
-          </p:cNvSpPr>
-          <p:nvPr>
-            <p:ph type="sldNum" sz="quarter" idx="10"/>
+          <p:cNvPr id="5" name="Header Placeholder 4"/>
+          <p:cNvSpPr>
+            <a:spLocks noGrp="1"/>
+          </p:cNvSpPr>
+          <p:nvPr>
+            <p:ph type="hdr" sz="quarter" idx="11"/>
           </p:nvPr>
         </p:nvSpPr>
         <p:spPr/>
@@ -4254,23 +3737,22 @@
           <a:bodyPr/>
           <a:lstStyle/>
           <a:p>
-            <a:fld id="{8B263312-38AA-4E1E-B2B5-0F8F122B24FE}" type="slidenum">
+            <a:r>
               <a:rPr lang="en-US" smtClean="0"/>
-              <a:pPr/>
-              <a:t>6</a:t>
-            </a:fld>
+              <a:t>Extending Cookbooks</a:t>
+            </a:r>
             <a:endParaRPr lang="en-US" dirty="0"/>
           </a:p>
         </p:txBody>
       </p:sp>
       <p:sp>
         <p:nvSpPr>
-          <p:cNvPr id="5" name="Header Placeholder 4"/>
-          <p:cNvSpPr>
-            <a:spLocks noGrp="1"/>
-          </p:cNvSpPr>
-          <p:nvPr>
-            <p:ph type="hdr" sz="quarter" idx="11"/>
+          <p:cNvPr id="7" name="Date Placeholder 6"/>
+          <p:cNvSpPr>
+            <a:spLocks noGrp="1"/>
+          </p:cNvSpPr>
+          <p:nvPr>
+            <p:ph type="dt" idx="13"/>
           </p:nvPr>
         </p:nvSpPr>
         <p:spPr/>
@@ -4278,30 +3760,14 @@
           <a:bodyPr/>
           <a:lstStyle/>
           <a:p>
+            <a:pPr>
+              <a:defRPr/>
+            </a:pPr>
+            <a:r>
+              <a:rPr lang="en-US" smtClean="0"/>
+              <a:t>Chef Software, Inc.</a:t>
+            </a:r>
             <a:endParaRPr lang="en-US" dirty="0"/>
-          </a:p>
-        </p:txBody>
-      </p:sp>
-      <p:sp>
-        <p:nvSpPr>
-          <p:cNvPr id="6" name="Footer Placeholder 5"/>
-          <p:cNvSpPr>
-            <a:spLocks noGrp="1"/>
-          </p:cNvSpPr>
-          <p:nvPr>
-            <p:ph type="ftr" sz="quarter" idx="12"/>
-          </p:nvPr>
-        </p:nvSpPr>
-        <p:spPr/>
-        <p:txBody>
-          <a:bodyPr/>
-          <a:lstStyle/>
-          <a:p>
-            <a:endParaRPr lang="en-US" sz="900" dirty="0" smtClean="0">
-              <a:solidFill>
-                <a:srgbClr val="000000"/>
-              </a:solidFill>
-            </a:endParaRPr>
           </a:p>
         </p:txBody>
       </p:sp>
@@ -4392,12 +3858,12 @@
       </p:sp>
       <p:sp>
         <p:nvSpPr>
-          <p:cNvPr id="4" name="Slide Number Placeholder 3"/>
-          <p:cNvSpPr>
-            <a:spLocks noGrp="1"/>
-          </p:cNvSpPr>
-          <p:nvPr>
-            <p:ph type="sldNum" sz="quarter" idx="10"/>
+          <p:cNvPr id="5" name="Header Placeholder 4"/>
+          <p:cNvSpPr>
+            <a:spLocks noGrp="1"/>
+          </p:cNvSpPr>
+          <p:nvPr>
+            <p:ph type="hdr" sz="quarter" idx="11"/>
           </p:nvPr>
         </p:nvSpPr>
         <p:spPr/>
@@ -4405,23 +3871,22 @@
           <a:bodyPr/>
           <a:lstStyle/>
           <a:p>
-            <a:fld id="{8B263312-38AA-4E1E-B2B5-0F8F122B24FE}" type="slidenum">
+            <a:r>
               <a:rPr lang="en-US" smtClean="0"/>
-              <a:pPr/>
-              <a:t>7</a:t>
-            </a:fld>
+              <a:t>Extending Cookbooks</a:t>
+            </a:r>
             <a:endParaRPr lang="en-US" dirty="0"/>
           </a:p>
         </p:txBody>
       </p:sp>
       <p:sp>
         <p:nvSpPr>
-          <p:cNvPr id="5" name="Header Placeholder 4"/>
-          <p:cNvSpPr>
-            <a:spLocks noGrp="1"/>
-          </p:cNvSpPr>
-          <p:nvPr>
-            <p:ph type="hdr" sz="quarter" idx="11"/>
+          <p:cNvPr id="7" name="Date Placeholder 6"/>
+          <p:cNvSpPr>
+            <a:spLocks noGrp="1"/>
+          </p:cNvSpPr>
+          <p:nvPr>
+            <p:ph type="dt" idx="13"/>
           </p:nvPr>
         </p:nvSpPr>
         <p:spPr/>
@@ -4429,30 +3894,14 @@
           <a:bodyPr/>
           <a:lstStyle/>
           <a:p>
+            <a:pPr>
+              <a:defRPr/>
+            </a:pPr>
+            <a:r>
+              <a:rPr lang="en-US" smtClean="0"/>
+              <a:t>Chef Software, Inc.</a:t>
+            </a:r>
             <a:endParaRPr lang="en-US" dirty="0"/>
-          </a:p>
-        </p:txBody>
-      </p:sp>
-      <p:sp>
-        <p:nvSpPr>
-          <p:cNvPr id="6" name="Footer Placeholder 5"/>
-          <p:cNvSpPr>
-            <a:spLocks noGrp="1"/>
-          </p:cNvSpPr>
-          <p:nvPr>
-            <p:ph type="ftr" sz="quarter" idx="12"/>
-          </p:nvPr>
-        </p:nvSpPr>
-        <p:spPr/>
-        <p:txBody>
-          <a:bodyPr/>
-          <a:lstStyle/>
-          <a:p>
-            <a:endParaRPr lang="en-US" sz="900" dirty="0" smtClean="0">
-              <a:solidFill>
-                <a:srgbClr val="000000"/>
-              </a:solidFill>
-            </a:endParaRPr>
           </a:p>
         </p:txBody>
       </p:sp>
@@ -4527,12 +3976,12 @@
       </p:sp>
       <p:sp>
         <p:nvSpPr>
-          <p:cNvPr id="4" name="Slide Number Placeholder 3"/>
-          <p:cNvSpPr>
-            <a:spLocks noGrp="1"/>
-          </p:cNvSpPr>
-          <p:nvPr>
-            <p:ph type="sldNum" sz="quarter" idx="10"/>
+          <p:cNvPr id="5" name="Header Placeholder 4"/>
+          <p:cNvSpPr>
+            <a:spLocks noGrp="1"/>
+          </p:cNvSpPr>
+          <p:nvPr>
+            <p:ph type="hdr" sz="quarter" idx="11"/>
           </p:nvPr>
         </p:nvSpPr>
         <p:spPr/>
@@ -4540,23 +3989,22 @@
           <a:bodyPr/>
           <a:lstStyle/>
           <a:p>
-            <a:fld id="{8B263312-38AA-4E1E-B2B5-0F8F122B24FE}" type="slidenum">
+            <a:r>
               <a:rPr lang="en-US" smtClean="0"/>
-              <a:pPr/>
-              <a:t>8</a:t>
-            </a:fld>
+              <a:t>Extending Cookbooks</a:t>
+            </a:r>
             <a:endParaRPr lang="en-US" dirty="0"/>
           </a:p>
         </p:txBody>
       </p:sp>
       <p:sp>
         <p:nvSpPr>
-          <p:cNvPr id="5" name="Header Placeholder 4"/>
-          <p:cNvSpPr>
-            <a:spLocks noGrp="1"/>
-          </p:cNvSpPr>
-          <p:nvPr>
-            <p:ph type="hdr" sz="quarter" idx="11"/>
+          <p:cNvPr id="7" name="Date Placeholder 6"/>
+          <p:cNvSpPr>
+            <a:spLocks noGrp="1"/>
+          </p:cNvSpPr>
+          <p:nvPr>
+            <p:ph type="dt" idx="13"/>
           </p:nvPr>
         </p:nvSpPr>
         <p:spPr/>
@@ -4564,30 +4012,14 @@
           <a:bodyPr/>
           <a:lstStyle/>
           <a:p>
+            <a:pPr>
+              <a:defRPr/>
+            </a:pPr>
+            <a:r>
+              <a:rPr lang="en-US" smtClean="0"/>
+              <a:t>Chef Software, Inc.</a:t>
+            </a:r>
             <a:endParaRPr lang="en-US" dirty="0"/>
-          </a:p>
-        </p:txBody>
-      </p:sp>
-      <p:sp>
-        <p:nvSpPr>
-          <p:cNvPr id="6" name="Footer Placeholder 5"/>
-          <p:cNvSpPr>
-            <a:spLocks noGrp="1"/>
-          </p:cNvSpPr>
-          <p:nvPr>
-            <p:ph type="ftr" sz="quarter" idx="12"/>
-          </p:nvPr>
-        </p:nvSpPr>
-        <p:spPr/>
-        <p:txBody>
-          <a:bodyPr/>
-          <a:lstStyle/>
-          <a:p>
-            <a:endParaRPr lang="en-US" sz="900" dirty="0" smtClean="0">
-              <a:solidFill>
-                <a:srgbClr val="000000"/>
-              </a:solidFill>
-            </a:endParaRPr>
           </a:p>
         </p:txBody>
       </p:sp>
@@ -4662,12 +4094,12 @@
       </p:sp>
       <p:sp>
         <p:nvSpPr>
-          <p:cNvPr id="4" name="Slide Number Placeholder 3"/>
-          <p:cNvSpPr>
-            <a:spLocks noGrp="1"/>
-          </p:cNvSpPr>
-          <p:nvPr>
-            <p:ph type="sldNum" sz="quarter" idx="10"/>
+          <p:cNvPr id="5" name="Header Placeholder 4"/>
+          <p:cNvSpPr>
+            <a:spLocks noGrp="1"/>
+          </p:cNvSpPr>
+          <p:nvPr>
+            <p:ph type="hdr" sz="quarter" idx="11"/>
           </p:nvPr>
         </p:nvSpPr>
         <p:spPr/>
@@ -4675,23 +4107,22 @@
           <a:bodyPr/>
           <a:lstStyle/>
           <a:p>
-            <a:fld id="{8B263312-38AA-4E1E-B2B5-0F8F122B24FE}" type="slidenum">
+            <a:r>
               <a:rPr lang="en-US" smtClean="0"/>
-              <a:pPr/>
-              <a:t>9</a:t>
-            </a:fld>
+              <a:t>Extending Cookbooks</a:t>
+            </a:r>
             <a:endParaRPr lang="en-US" dirty="0"/>
           </a:p>
         </p:txBody>
       </p:sp>
       <p:sp>
         <p:nvSpPr>
-          <p:cNvPr id="5" name="Header Placeholder 4"/>
-          <p:cNvSpPr>
-            <a:spLocks noGrp="1"/>
-          </p:cNvSpPr>
-          <p:nvPr>
-            <p:ph type="hdr" sz="quarter" idx="11"/>
+          <p:cNvPr id="7" name="Date Placeholder 6"/>
+          <p:cNvSpPr>
+            <a:spLocks noGrp="1"/>
+          </p:cNvSpPr>
+          <p:nvPr>
+            <p:ph type="dt" idx="13"/>
           </p:nvPr>
         </p:nvSpPr>
         <p:spPr/>
@@ -4699,30 +4130,14 @@
           <a:bodyPr/>
           <a:lstStyle/>
           <a:p>
+            <a:pPr>
+              <a:defRPr/>
+            </a:pPr>
+            <a:r>
+              <a:rPr lang="en-US" smtClean="0"/>
+              <a:t>Chef Software, Inc.</a:t>
+            </a:r>
             <a:endParaRPr lang="en-US" dirty="0"/>
-          </a:p>
-        </p:txBody>
-      </p:sp>
-      <p:sp>
-        <p:nvSpPr>
-          <p:cNvPr id="6" name="Footer Placeholder 5"/>
-          <p:cNvSpPr>
-            <a:spLocks noGrp="1"/>
-          </p:cNvSpPr>
-          <p:nvPr>
-            <p:ph type="ftr" sz="quarter" idx="12"/>
-          </p:nvPr>
-        </p:nvSpPr>
-        <p:spPr/>
-        <p:txBody>
-          <a:bodyPr/>
-          <a:lstStyle/>
-          <a:p>
-            <a:endParaRPr lang="en-US" sz="900" dirty="0" smtClean="0">
-              <a:solidFill>
-                <a:srgbClr val="000000"/>
-              </a:solidFill>
-            </a:endParaRPr>
           </a:p>
         </p:txBody>
       </p:sp>
@@ -5304,14 +4719,14 @@
           </a:ln>
           <a:extLst>
             <a:ext uri="{909E8E84-426E-40dd-AFC4-6F175D3DCCD1}">
-              <a14:hiddenFill xmlns="" xmlns:a14="http://schemas.microsoft.com/office/drawing/2010/main">
+              <a14:hiddenFill xmlns:a14="http://schemas.microsoft.com/office/drawing/2010/main" xmlns="">
                 <a:solidFill>
                   <a:srgbClr val="FFFFFF"/>
                 </a:solidFill>
               </a14:hiddenFill>
             </a:ext>
             <a:ext uri="{91240B29-F687-4f45-9708-019B960494DF}">
-              <a14:hiddenLine xmlns="" xmlns:a14="http://schemas.microsoft.com/office/drawing/2010/main" w="9525">
+              <a14:hiddenLine xmlns:a14="http://schemas.microsoft.com/office/drawing/2010/main" xmlns="" w="9525">
                 <a:solidFill>
                   <a:srgbClr val="000000"/>
                 </a:solidFill>
@@ -5459,14 +4874,14 @@
           </a:ln>
           <a:extLst>
             <a:ext uri="{909E8E84-426E-40dd-AFC4-6F175D3DCCD1}">
-              <a14:hiddenFill xmlns="" xmlns:a14="http://schemas.microsoft.com/office/drawing/2010/main">
+              <a14:hiddenFill xmlns:a14="http://schemas.microsoft.com/office/drawing/2010/main" xmlns="">
                 <a:solidFill>
                   <a:srgbClr val="FFFFFF"/>
                 </a:solidFill>
               </a14:hiddenFill>
             </a:ext>
             <a:ext uri="{91240B29-F687-4f45-9708-019B960494DF}">
-              <a14:hiddenLine xmlns="" xmlns:a14="http://schemas.microsoft.com/office/drawing/2010/main" w="9525">
+              <a14:hiddenLine xmlns:a14="http://schemas.microsoft.com/office/drawing/2010/main" xmlns="" w="9525">
                 <a:solidFill>
                   <a:srgbClr val="000000"/>
                 </a:solidFill>
@@ -5957,14 +5372,14 @@
           </a:ln>
           <a:extLst>
             <a:ext uri="{909E8E84-426E-40dd-AFC4-6F175D3DCCD1}">
-              <a14:hiddenFill xmlns="" xmlns:a14="http://schemas.microsoft.com/office/drawing/2010/main">
+              <a14:hiddenFill xmlns:a14="http://schemas.microsoft.com/office/drawing/2010/main" xmlns="">
                 <a:solidFill>
                   <a:srgbClr val="FFFFFF"/>
                 </a:solidFill>
               </a14:hiddenFill>
             </a:ext>
             <a:ext uri="{91240B29-F687-4f45-9708-019B960494DF}">
-              <a14:hiddenLine xmlns="" xmlns:a14="http://schemas.microsoft.com/office/drawing/2010/main" w="9525">
+              <a14:hiddenLine xmlns:a14="http://schemas.microsoft.com/office/drawing/2010/main" xmlns="" w="9525">
                 <a:solidFill>
                   <a:srgbClr val="000000"/>
                 </a:solidFill>
@@ -7413,14 +6828,14 @@
           </a:ln>
           <a:extLst>
             <a:ext uri="{909E8E84-426E-40dd-AFC4-6F175D3DCCD1}">
-              <a14:hiddenFill xmlns="" xmlns:a14="http://schemas.microsoft.com/office/drawing/2010/main">
+              <a14:hiddenFill xmlns:a14="http://schemas.microsoft.com/office/drawing/2010/main" xmlns="">
                 <a:solidFill>
                   <a:srgbClr val="FFFFFF"/>
                 </a:solidFill>
               </a14:hiddenFill>
             </a:ext>
             <a:ext uri="{91240B29-F687-4f45-9708-019B960494DF}">
-              <a14:hiddenLine xmlns="" xmlns:a14="http://schemas.microsoft.com/office/drawing/2010/main" w="9525">
+              <a14:hiddenLine xmlns:a14="http://schemas.microsoft.com/office/drawing/2010/main" xmlns="" w="9525">
                 <a:solidFill>
                   <a:srgbClr val="000000"/>
                 </a:solidFill>
@@ -8774,14 +8189,14 @@
           </a:ln>
           <a:extLst>
             <a:ext uri="{909E8E84-426E-40dd-AFC4-6F175D3DCCD1}">
-              <a14:hiddenFill xmlns="" xmlns:a14="http://schemas.microsoft.com/office/drawing/2010/main">
+              <a14:hiddenFill xmlns:a14="http://schemas.microsoft.com/office/drawing/2010/main" xmlns="">
                 <a:solidFill>
                   <a:srgbClr val="FFFFFF"/>
                 </a:solidFill>
               </a14:hiddenFill>
             </a:ext>
             <a:ext uri="{91240B29-F687-4f45-9708-019B960494DF}">
-              <a14:hiddenLine xmlns="" xmlns:a14="http://schemas.microsoft.com/office/drawing/2010/main" w="9525">
+              <a14:hiddenLine xmlns:a14="http://schemas.microsoft.com/office/drawing/2010/main" xmlns="" w="9525">
                 <a:solidFill>
                   <a:srgbClr val="000000"/>
                 </a:solidFill>
@@ -9339,14 +8754,14 @@
           </a:ln>
           <a:extLst>
             <a:ext uri="{909E8E84-426E-40dd-AFC4-6F175D3DCCD1}">
-              <a14:hiddenFill xmlns="" xmlns:a14="http://schemas.microsoft.com/office/drawing/2010/main">
+              <a14:hiddenFill xmlns:a14="http://schemas.microsoft.com/office/drawing/2010/main" xmlns="">
                 <a:solidFill>
                   <a:srgbClr val="FFFFFF"/>
                 </a:solidFill>
               </a14:hiddenFill>
             </a:ext>
             <a:ext uri="{91240B29-F687-4f45-9708-019B960494DF}">
-              <a14:hiddenLine xmlns="" xmlns:a14="http://schemas.microsoft.com/office/drawing/2010/main" w="9525">
+              <a14:hiddenLine xmlns:a14="http://schemas.microsoft.com/office/drawing/2010/main" xmlns="" w="9525">
                 <a:solidFill>
                   <a:srgbClr val="000000"/>
                 </a:solidFill>
@@ -9913,14 +9328,14 @@
           </a:ln>
           <a:extLst>
             <a:ext uri="{909E8E84-426E-40dd-AFC4-6F175D3DCCD1}">
-              <a14:hiddenFill xmlns="" xmlns:a14="http://schemas.microsoft.com/office/drawing/2010/main">
+              <a14:hiddenFill xmlns:a14="http://schemas.microsoft.com/office/drawing/2010/main" xmlns="">
                 <a:solidFill>
                   <a:srgbClr val="FFFFFF"/>
                 </a:solidFill>
               </a14:hiddenFill>
             </a:ext>
             <a:ext uri="{91240B29-F687-4f45-9708-019B960494DF}">
-              <a14:hiddenLine xmlns="" xmlns:a14="http://schemas.microsoft.com/office/drawing/2010/main" w="9525">
+              <a14:hiddenLine xmlns:a14="http://schemas.microsoft.com/office/drawing/2010/main" xmlns="" w="9525">
                 <a:solidFill>
                   <a:srgbClr val="000000"/>
                 </a:solidFill>
@@ -10860,14 +10275,14 @@
           </a:ln>
           <a:extLst>
             <a:ext uri="{909E8E84-426E-40dd-AFC4-6F175D3DCCD1}">
-              <a14:hiddenFill xmlns="" xmlns:a14="http://schemas.microsoft.com/office/drawing/2010/main">
+              <a14:hiddenFill xmlns:a14="http://schemas.microsoft.com/office/drawing/2010/main" xmlns="">
                 <a:solidFill>
                   <a:srgbClr val="FFFFFF"/>
                 </a:solidFill>
               </a14:hiddenFill>
             </a:ext>
             <a:ext uri="{91240B29-F687-4f45-9708-019B960494DF}">
-              <a14:hiddenLine xmlns="" xmlns:a14="http://schemas.microsoft.com/office/drawing/2010/main" w="9525">
+              <a14:hiddenLine xmlns:a14="http://schemas.microsoft.com/office/drawing/2010/main" xmlns="" w="9525">
                 <a:solidFill>
                   <a:srgbClr val="000000"/>
                 </a:solidFill>
@@ -10947,7 +10362,7 @@
               <a:defRPr/>
             </a:pPr>
             <a:r>
-              <a:rPr lang="en-US" dirty="0">
+              <a:rPr lang="en-US" dirty="0" smtClean="0">
                 <a:solidFill>
                   <a:srgbClr val="7D868C"/>
                 </a:solidFill>
@@ -10958,7 +10373,7 @@
               <a:t>©</a:t>
             </a:r>
             <a:r>
-              <a:rPr lang="en-US" dirty="0" smtClean="0">
+              <a:rPr lang="is-IS" dirty="0" smtClean="0">
                 <a:solidFill>
                   <a:srgbClr val="7D868C"/>
                 </a:solidFill>
@@ -10966,7 +10381,18 @@
                 <a:ea typeface="+mn-ea"/>
                 <a:cs typeface="+mn-cs"/>
               </a:rPr>
-              <a:t>2016 </a:t>
+              <a:t>2017</a:t>
+            </a:r>
+            <a:r>
+              <a:rPr lang="en-US" dirty="0" smtClean="0">
+                <a:solidFill>
+                  <a:srgbClr val="7D868C"/>
+                </a:solidFill>
+                <a:latin typeface="+mn-lt"/>
+                <a:ea typeface="+mn-ea"/>
+                <a:cs typeface="+mn-cs"/>
+              </a:rPr>
+              <a:t> </a:t>
             </a:r>
             <a:r>
               <a:rPr lang="en-US" dirty="0">
@@ -11640,14 +11066,14 @@
           </a:ln>
           <a:extLst>
             <a:ext uri="{909E8E84-426E-40dd-AFC4-6F175D3DCCD1}">
-              <a14:hiddenFill xmlns="" xmlns:a14="http://schemas.microsoft.com/office/drawing/2010/main">
+              <a14:hiddenFill xmlns:a14="http://schemas.microsoft.com/office/drawing/2010/main" xmlns="">
                 <a:solidFill>
                   <a:srgbClr val="FFFFFF"/>
                 </a:solidFill>
               </a14:hiddenFill>
             </a:ext>
             <a:ext uri="{91240B29-F687-4f45-9708-019B960494DF}">
-              <a14:hiddenLine xmlns="" xmlns:a14="http://schemas.microsoft.com/office/drawing/2010/main" w="9525">
+              <a14:hiddenLine xmlns:a14="http://schemas.microsoft.com/office/drawing/2010/main" xmlns="" w="9525">
                 <a:solidFill>
                   <a:srgbClr val="000000"/>
                 </a:solidFill>
@@ -11727,7 +11153,7 @@
               <a:defRPr/>
             </a:pPr>
             <a:r>
-              <a:rPr lang="en-US" dirty="0">
+              <a:rPr lang="en-US" dirty="0" smtClean="0">
                 <a:solidFill>
                   <a:srgbClr val="7D868C"/>
                 </a:solidFill>
@@ -11738,7 +11164,7 @@
               <a:t>©</a:t>
             </a:r>
             <a:r>
-              <a:rPr lang="en-US" dirty="0" smtClean="0">
+              <a:rPr lang="is-IS" dirty="0" smtClean="0">
                 <a:solidFill>
                   <a:srgbClr val="7D868C"/>
                 </a:solidFill>
@@ -11746,7 +11172,18 @@
                 <a:ea typeface="+mn-ea"/>
                 <a:cs typeface="+mn-cs"/>
               </a:rPr>
-              <a:t>2016 </a:t>
+              <a:t>2017</a:t>
+            </a:r>
+            <a:r>
+              <a:rPr lang="en-US" dirty="0" smtClean="0">
+                <a:solidFill>
+                  <a:srgbClr val="7D868C"/>
+                </a:solidFill>
+                <a:latin typeface="+mn-lt"/>
+                <a:ea typeface="+mn-ea"/>
+                <a:cs typeface="+mn-cs"/>
+              </a:rPr>
+              <a:t> </a:t>
             </a:r>
             <a:r>
               <a:rPr lang="en-US" dirty="0">
